--- a/capstone_2_diabetes/presentation/Early Detection of Diabetes.pptx
+++ b/capstone_2_diabetes/presentation/Early Detection of Diabetes.pptx
@@ -26,15 +26,13 @@
     <p:sldId id="271" r:id="rId21"/>
     <p:sldId id="272" r:id="rId22"/>
     <p:sldId id="273" r:id="rId23"/>
-    <p:sldId id="274" r:id="rId24"/>
-    <p:sldId id="275" r:id="rId25"/>
   </p:sldIdLst>
   <p:sldSz cy="5143500" cx="9144000"/>
   <p:notesSz cx="6858000" cy="9144000"/>
   <p:embeddedFontLst>
     <p:embeddedFont>
       <p:font typeface="Alfa Slab One"/>
-      <p:regular r:id="rId26"/>
+      <p:regular r:id="rId24"/>
     </p:embeddedFont>
   </p:embeddedFontLst>
   <p:defaultTextStyle>
@@ -829,7 +827,7 @@
       </p:grpSpPr>
       <p:sp>
         <p:nvSpPr>
-          <p:cNvPr id="123" name="Google Shape;123;gd362a0f82f_0_2072:notes"/>
+          <p:cNvPr id="123" name="Google Shape;123;gd362a0f82f_0_2848:notes"/>
           <p:cNvSpPr/>
           <p:nvPr>
             <p:ph idx="2" type="sldImg"/>
@@ -864,7 +862,7 @@
       </p:sp>
       <p:sp>
         <p:nvSpPr>
-          <p:cNvPr id="124" name="Google Shape;124;gd362a0f82f_0_2072:notes"/>
+          <p:cNvPr id="124" name="Google Shape;124;gd362a0f82f_0_2848:notes"/>
           <p:cNvSpPr txBox="1"/>
           <p:nvPr>
             <p:ph idx="1" type="body"/>
@@ -914,7 +912,7 @@
   <p:cSld>
     <p:spTree>
       <p:nvGrpSpPr>
-        <p:cNvPr id="130" name="Shape 130"/>
+        <p:cNvPr id="129" name="Shape 129"/>
         <p:cNvGrpSpPr/>
         <p:nvPr/>
       </p:nvGrpSpPr>
@@ -928,7 +926,7 @@
       </p:grpSpPr>
       <p:sp>
         <p:nvSpPr>
-          <p:cNvPr id="131" name="Google Shape;131;gd362a0f82f_0_2840:notes"/>
+          <p:cNvPr id="130" name="Google Shape;130;gd362a0f82f_0_2855:notes"/>
           <p:cNvSpPr/>
           <p:nvPr>
             <p:ph idx="2" type="sldImg"/>
@@ -963,7 +961,7 @@
       </p:sp>
       <p:sp>
         <p:nvSpPr>
-          <p:cNvPr id="132" name="Google Shape;132;gd362a0f82f_0_2840:notes"/>
+          <p:cNvPr id="131" name="Google Shape;131;gd362a0f82f_0_2855:notes"/>
           <p:cNvSpPr txBox="1"/>
           <p:nvPr>
             <p:ph idx="1" type="body"/>
@@ -1013,7 +1011,7 @@
   <p:cSld>
     <p:spTree>
       <p:nvGrpSpPr>
-        <p:cNvPr id="137" name="Shape 137"/>
+        <p:cNvPr id="134" name="Shape 134"/>
         <p:cNvGrpSpPr/>
         <p:nvPr/>
       </p:nvGrpSpPr>
@@ -1027,7 +1025,7 @@
       </p:grpSpPr>
       <p:sp>
         <p:nvSpPr>
-          <p:cNvPr id="138" name="Google Shape;138;gd362a0f82f_0_2848:notes"/>
+          <p:cNvPr id="135" name="Google Shape;135;gd362a0f82f_0_2860:notes"/>
           <p:cNvSpPr/>
           <p:nvPr>
             <p:ph idx="2" type="sldImg"/>
@@ -1062,7 +1060,7 @@
       </p:sp>
       <p:sp>
         <p:nvSpPr>
-          <p:cNvPr id="139" name="Google Shape;139;gd362a0f82f_0_2848:notes"/>
+          <p:cNvPr id="136" name="Google Shape;136;gd362a0f82f_0_2860:notes"/>
           <p:cNvSpPr txBox="1"/>
           <p:nvPr>
             <p:ph idx="1" type="body"/>
@@ -1112,7 +1110,7 @@
   <p:cSld>
     <p:spTree>
       <p:nvGrpSpPr>
-        <p:cNvPr id="144" name="Shape 144"/>
+        <p:cNvPr id="143" name="Shape 143"/>
         <p:cNvGrpSpPr/>
         <p:nvPr/>
       </p:nvGrpSpPr>
@@ -1126,7 +1124,7 @@
       </p:grpSpPr>
       <p:sp>
         <p:nvSpPr>
-          <p:cNvPr id="145" name="Google Shape;145;gd362a0f82f_0_2855:notes"/>
+          <p:cNvPr id="144" name="Google Shape;144;gd362a0f82f_0_2868:notes"/>
           <p:cNvSpPr/>
           <p:nvPr>
             <p:ph idx="2" type="sldImg"/>
@@ -1161,7 +1159,7 @@
       </p:sp>
       <p:sp>
         <p:nvSpPr>
-          <p:cNvPr id="146" name="Google Shape;146;gd362a0f82f_0_2855:notes"/>
+          <p:cNvPr id="145" name="Google Shape;145;gd362a0f82f_0_2868:notes"/>
           <p:cNvSpPr txBox="1"/>
           <p:nvPr>
             <p:ph idx="1" type="body"/>
@@ -1211,7 +1209,7 @@
   <p:cSld>
     <p:spTree>
       <p:nvGrpSpPr>
-        <p:cNvPr id="149" name="Shape 149"/>
+        <p:cNvPr id="156" name="Shape 156"/>
         <p:cNvGrpSpPr/>
         <p:nvPr/>
       </p:nvGrpSpPr>
@@ -1225,7 +1223,7 @@
       </p:grpSpPr>
       <p:sp>
         <p:nvSpPr>
-          <p:cNvPr id="150" name="Google Shape;150;gd362a0f82f_0_2860:notes"/>
+          <p:cNvPr id="157" name="Google Shape;157;gd362a0f82f_0_2885:notes"/>
           <p:cNvSpPr/>
           <p:nvPr>
             <p:ph idx="2" type="sldImg"/>
@@ -1260,7 +1258,7 @@
       </p:sp>
       <p:sp>
         <p:nvSpPr>
-          <p:cNvPr id="151" name="Google Shape;151;gd362a0f82f_0_2860:notes"/>
+          <p:cNvPr id="158" name="Google Shape;158;gd362a0f82f_0_2885:notes"/>
           <p:cNvSpPr txBox="1"/>
           <p:nvPr>
             <p:ph idx="1" type="body"/>
@@ -1310,7 +1308,7 @@
   <p:cSld>
     <p:spTree>
       <p:nvGrpSpPr>
-        <p:cNvPr id="158" name="Shape 158"/>
+        <p:cNvPr id="162" name="Shape 162"/>
         <p:cNvGrpSpPr/>
         <p:nvPr/>
       </p:nvGrpSpPr>
@@ -1324,7 +1322,7 @@
       </p:grpSpPr>
       <p:sp>
         <p:nvSpPr>
-          <p:cNvPr id="159" name="Google Shape;159;gd362a0f82f_0_2868:notes"/>
+          <p:cNvPr id="163" name="Google Shape;163;gd362a0f82f_0_2890:notes"/>
           <p:cNvSpPr/>
           <p:nvPr>
             <p:ph idx="2" type="sldImg"/>
@@ -1359,7 +1357,7 @@
       </p:sp>
       <p:sp>
         <p:nvSpPr>
-          <p:cNvPr id="160" name="Google Shape;160;gd362a0f82f_0_2868:notes"/>
+          <p:cNvPr id="164" name="Google Shape;164;gd362a0f82f_0_2890:notes"/>
           <p:cNvSpPr txBox="1"/>
           <p:nvPr>
             <p:ph idx="1" type="body"/>
@@ -1409,7 +1407,7 @@
   <p:cSld>
     <p:spTree>
       <p:nvGrpSpPr>
-        <p:cNvPr id="171" name="Shape 171"/>
+        <p:cNvPr id="170" name="Shape 170"/>
         <p:cNvGrpSpPr/>
         <p:nvPr/>
       </p:nvGrpSpPr>
@@ -1423,7 +1421,7 @@
       </p:grpSpPr>
       <p:sp>
         <p:nvSpPr>
-          <p:cNvPr id="172" name="Google Shape;172;gd362a0f82f_0_2885:notes"/>
+          <p:cNvPr id="171" name="Google Shape;171;gd362a0f82f_0_2904:notes"/>
           <p:cNvSpPr/>
           <p:nvPr>
             <p:ph idx="2" type="sldImg"/>
@@ -1458,7 +1456,7 @@
       </p:sp>
       <p:sp>
         <p:nvSpPr>
-          <p:cNvPr id="173" name="Google Shape;173;gd362a0f82f_0_2885:notes"/>
+          <p:cNvPr id="172" name="Google Shape;172;gd362a0f82f_0_2904:notes"/>
           <p:cNvSpPr txBox="1"/>
           <p:nvPr>
             <p:ph idx="1" type="body"/>
@@ -1508,7 +1506,7 @@
   <p:cSld>
     <p:spTree>
       <p:nvGrpSpPr>
-        <p:cNvPr id="177" name="Shape 177"/>
+        <p:cNvPr id="176" name="Shape 176"/>
         <p:cNvGrpSpPr/>
         <p:nvPr/>
       </p:nvGrpSpPr>
@@ -1522,7 +1520,7 @@
       </p:grpSpPr>
       <p:sp>
         <p:nvSpPr>
-          <p:cNvPr id="178" name="Google Shape;178;gd362a0f82f_0_2890:notes"/>
+          <p:cNvPr id="177" name="Google Shape;177;gd362a0f82f_0_2876:notes"/>
           <p:cNvSpPr/>
           <p:nvPr>
             <p:ph idx="2" type="sldImg"/>
@@ -1557,7 +1555,7 @@
       </p:sp>
       <p:sp>
         <p:nvSpPr>
-          <p:cNvPr id="179" name="Google Shape;179;gd362a0f82f_0_2890:notes"/>
+          <p:cNvPr id="178" name="Google Shape;178;gd362a0f82f_0_2876:notes"/>
           <p:cNvSpPr txBox="1"/>
           <p:nvPr>
             <p:ph idx="1" type="body"/>
@@ -1607,7 +1605,7 @@
   <p:cSld>
     <p:spTree>
       <p:nvGrpSpPr>
-        <p:cNvPr id="185" name="Shape 185"/>
+        <p:cNvPr id="196" name="Shape 196"/>
         <p:cNvGrpSpPr/>
         <p:nvPr/>
       </p:nvGrpSpPr>
@@ -1621,7 +1619,7 @@
       </p:grpSpPr>
       <p:sp>
         <p:nvSpPr>
-          <p:cNvPr id="186" name="Google Shape;186;gd362a0f82f_0_2904:notes"/>
+          <p:cNvPr id="197" name="Google Shape;197;gd362a0f82f_0_2946:notes"/>
           <p:cNvSpPr/>
           <p:nvPr>
             <p:ph idx="2" type="sldImg"/>
@@ -1656,106 +1654,7 @@
       </p:sp>
       <p:sp>
         <p:nvSpPr>
-          <p:cNvPr id="187" name="Google Shape;187;gd362a0f82f_0_2904:notes"/>
-          <p:cNvSpPr txBox="1"/>
-          <p:nvPr>
-            <p:ph idx="1" type="body"/>
-          </p:nvPr>
-        </p:nvSpPr>
-        <p:spPr>
-          <a:xfrm>
-            <a:off x="685800" y="4343400"/>
-            <a:ext cx="5486400" cy="4114800"/>
-          </a:xfrm>
-          <a:prstGeom prst="rect">
-            <a:avLst/>
-          </a:prstGeom>
-        </p:spPr>
-        <p:txBody>
-          <a:bodyPr anchorCtr="0" anchor="t" bIns="91425" lIns="91425" spcFirstLastPara="1" rIns="91425" wrap="square" tIns="91425">
-            <a:noAutofit/>
-          </a:bodyPr>
-          <a:lstStyle/>
-          <a:p>
-            <a:pPr indent="0" lvl="0" marL="0" rtl="0" algn="l">
-              <a:spcBef>
-                <a:spcPts val="0"/>
-              </a:spcBef>
-              <a:spcAft>
-                <a:spcPts val="0"/>
-              </a:spcAft>
-              <a:buNone/>
-            </a:pPr>
-            <a:r>
-              <a:t/>
-            </a:r>
-            <a:endParaRPr/>
-          </a:p>
-        </p:txBody>
-      </p:sp>
-    </p:spTree>
-  </p:cSld>
-  <p:clrMapOvr>
-    <a:masterClrMapping/>
-  </p:clrMapOvr>
-</p:notes>
-</file>
-
-<file path=ppt/notesSlides/notesSlide19.xml><?xml version="1.0" encoding="utf-8"?>
-<p:notes xmlns:a="http://schemas.openxmlformats.org/drawingml/2006/main" xmlns:r="http://schemas.openxmlformats.org/officeDocument/2006/relationships" xmlns:mc="http://schemas.openxmlformats.org/markup-compatibility/2006" xmlns:mv="urn:schemas-microsoft-com:mac:vml" xmlns:p="http://schemas.openxmlformats.org/presentationml/2006/main" xmlns:c="http://schemas.openxmlformats.org/drawingml/2006/chart" xmlns:dgm="http://schemas.openxmlformats.org/drawingml/2006/diagram" xmlns:o="urn:schemas-microsoft-com:office:office" xmlns:v="urn:schemas-microsoft-com:vml" xmlns:pvml="urn:schemas-microsoft-com:office:powerpoint" xmlns:com="http://schemas.openxmlformats.org/drawingml/2006/compatibility" xmlns:p14="http://schemas.microsoft.com/office/powerpoint/2010/main" xmlns:p15="http://schemas.microsoft.com/office/powerpoint/2012/main" xmlns:ahyp="http://schemas.microsoft.com/office/drawing/2018/hyperlinkcolor" showMasterPhAnim="0" showMasterSp="0">
-  <p:cSld>
-    <p:spTree>
-      <p:nvGrpSpPr>
-        <p:cNvPr id="191" name="Shape 191"/>
-        <p:cNvGrpSpPr/>
-        <p:nvPr/>
-      </p:nvGrpSpPr>
-      <p:grpSpPr>
-        <a:xfrm>
-          <a:off x="0" y="0"/>
-          <a:ext cx="0" cy="0"/>
-          <a:chOff x="0" y="0"/>
-          <a:chExt cx="0" cy="0"/>
-        </a:xfrm>
-      </p:grpSpPr>
-      <p:sp>
-        <p:nvSpPr>
-          <p:cNvPr id="192" name="Google Shape;192;gd362a0f82f_0_2876:notes"/>
-          <p:cNvSpPr/>
-          <p:nvPr>
-            <p:ph idx="2" type="sldImg"/>
-          </p:nvPr>
-        </p:nvSpPr>
-        <p:spPr>
-          <a:xfrm>
-            <a:off x="381300" y="685800"/>
-            <a:ext cx="6096000" cy="3429000"/>
-          </a:xfrm>
-          <a:custGeom>
-            <a:rect b="b" l="l" r="r" t="t"/>
-            <a:pathLst>
-              <a:path extrusionOk="0" h="120000" w="120000">
-                <a:moveTo>
-                  <a:pt x="0" y="0"/>
-                </a:moveTo>
-                <a:lnTo>
-                  <a:pt x="120000" y="0"/>
-                </a:lnTo>
-                <a:lnTo>
-                  <a:pt x="120000" y="120000"/>
-                </a:lnTo>
-                <a:lnTo>
-                  <a:pt x="0" y="120000"/>
-                </a:lnTo>
-                <a:close/>
-              </a:path>
-            </a:pathLst>
-          </a:custGeom>
-        </p:spPr>
-      </p:sp>
-      <p:sp>
-        <p:nvSpPr>
-          <p:cNvPr id="193" name="Google Shape;193;gd362a0f82f_0_2876:notes"/>
+          <p:cNvPr id="198" name="Google Shape;198;gd362a0f82f_0_2946:notes"/>
           <p:cNvSpPr txBox="1"/>
           <p:nvPr>
             <p:ph idx="1" type="body"/>
@@ -1899,105 +1798,6 @@
 </p:notes>
 </file>
 
-<file path=ppt/notesSlides/notesSlide20.xml><?xml version="1.0" encoding="utf-8"?>
-<p:notes xmlns:a="http://schemas.openxmlformats.org/drawingml/2006/main" xmlns:r="http://schemas.openxmlformats.org/officeDocument/2006/relationships" xmlns:mc="http://schemas.openxmlformats.org/markup-compatibility/2006" xmlns:mv="urn:schemas-microsoft-com:mac:vml" xmlns:p="http://schemas.openxmlformats.org/presentationml/2006/main" xmlns:c="http://schemas.openxmlformats.org/drawingml/2006/chart" xmlns:dgm="http://schemas.openxmlformats.org/drawingml/2006/diagram" xmlns:o="urn:schemas-microsoft-com:office:office" xmlns:v="urn:schemas-microsoft-com:vml" xmlns:pvml="urn:schemas-microsoft-com:office:powerpoint" xmlns:com="http://schemas.openxmlformats.org/drawingml/2006/compatibility" xmlns:p14="http://schemas.microsoft.com/office/powerpoint/2010/main" xmlns:p15="http://schemas.microsoft.com/office/powerpoint/2012/main" xmlns:ahyp="http://schemas.microsoft.com/office/drawing/2018/hyperlinkcolor" showMasterPhAnim="0" showMasterSp="0">
-  <p:cSld>
-    <p:spTree>
-      <p:nvGrpSpPr>
-        <p:cNvPr id="211" name="Shape 211"/>
-        <p:cNvGrpSpPr/>
-        <p:nvPr/>
-      </p:nvGrpSpPr>
-      <p:grpSpPr>
-        <a:xfrm>
-          <a:off x="0" y="0"/>
-          <a:ext cx="0" cy="0"/>
-          <a:chOff x="0" y="0"/>
-          <a:chExt cx="0" cy="0"/>
-        </a:xfrm>
-      </p:grpSpPr>
-      <p:sp>
-        <p:nvSpPr>
-          <p:cNvPr id="212" name="Google Shape;212;gd362a0f82f_0_2946:notes"/>
-          <p:cNvSpPr/>
-          <p:nvPr>
-            <p:ph idx="2" type="sldImg"/>
-          </p:nvPr>
-        </p:nvSpPr>
-        <p:spPr>
-          <a:xfrm>
-            <a:off x="381300" y="685800"/>
-            <a:ext cx="6096000" cy="3429000"/>
-          </a:xfrm>
-          <a:custGeom>
-            <a:rect b="b" l="l" r="r" t="t"/>
-            <a:pathLst>
-              <a:path extrusionOk="0" h="120000" w="120000">
-                <a:moveTo>
-                  <a:pt x="0" y="0"/>
-                </a:moveTo>
-                <a:lnTo>
-                  <a:pt x="120000" y="0"/>
-                </a:lnTo>
-                <a:lnTo>
-                  <a:pt x="120000" y="120000"/>
-                </a:lnTo>
-                <a:lnTo>
-                  <a:pt x="0" y="120000"/>
-                </a:lnTo>
-                <a:close/>
-              </a:path>
-            </a:pathLst>
-          </a:custGeom>
-        </p:spPr>
-      </p:sp>
-      <p:sp>
-        <p:nvSpPr>
-          <p:cNvPr id="213" name="Google Shape;213;gd362a0f82f_0_2946:notes"/>
-          <p:cNvSpPr txBox="1"/>
-          <p:nvPr>
-            <p:ph idx="1" type="body"/>
-          </p:nvPr>
-        </p:nvSpPr>
-        <p:spPr>
-          <a:xfrm>
-            <a:off x="685800" y="4343400"/>
-            <a:ext cx="5486400" cy="4114800"/>
-          </a:xfrm>
-          <a:prstGeom prst="rect">
-            <a:avLst/>
-          </a:prstGeom>
-        </p:spPr>
-        <p:txBody>
-          <a:bodyPr anchorCtr="0" anchor="t" bIns="91425" lIns="91425" spcFirstLastPara="1" rIns="91425" wrap="square" tIns="91425">
-            <a:noAutofit/>
-          </a:bodyPr>
-          <a:lstStyle/>
-          <a:p>
-            <a:pPr indent="0" lvl="0" marL="0" rtl="0" algn="l">
-              <a:spcBef>
-                <a:spcPts val="0"/>
-              </a:spcBef>
-              <a:spcAft>
-                <a:spcPts val="0"/>
-              </a:spcAft>
-              <a:buNone/>
-            </a:pPr>
-            <a:r>
-              <a:t/>
-            </a:r>
-            <a:endParaRPr/>
-          </a:p>
-        </p:txBody>
-      </p:sp>
-    </p:spTree>
-  </p:cSld>
-  <p:clrMapOvr>
-    <a:masterClrMapping/>
-  </p:clrMapOvr>
-</p:notes>
-</file>
-
 <file path=ppt/notesSlides/notesSlide3.xml><?xml version="1.0" encoding="utf-8"?>
 <p:notes xmlns:a="http://schemas.openxmlformats.org/drawingml/2006/main" xmlns:r="http://schemas.openxmlformats.org/officeDocument/2006/relationships" xmlns:mc="http://schemas.openxmlformats.org/markup-compatibility/2006" xmlns:mv="urn:schemas-microsoft-com:mac:vml" xmlns:p="http://schemas.openxmlformats.org/presentationml/2006/main" xmlns:c="http://schemas.openxmlformats.org/drawingml/2006/chart" xmlns:dgm="http://schemas.openxmlformats.org/drawingml/2006/diagram" xmlns:o="urn:schemas-microsoft-com:office:office" xmlns:v="urn:schemas-microsoft-com:vml" xmlns:pvml="urn:schemas-microsoft-com:office:powerpoint" xmlns:com="http://schemas.openxmlformats.org/drawingml/2006/compatibility" xmlns:p14="http://schemas.microsoft.com/office/powerpoint/2010/main" xmlns:p15="http://schemas.microsoft.com/office/powerpoint/2012/main" xmlns:ahyp="http://schemas.microsoft.com/office/drawing/2018/hyperlinkcolor" showMasterPhAnim="0" showMasterSp="0">
   <p:cSld>
@@ -2215,7 +2015,7 @@
       </p:grpSpPr>
       <p:sp>
         <p:nvSpPr>
-          <p:cNvPr id="84" name="Google Shape;84;gd362a0f82f_0_2054:notes"/>
+          <p:cNvPr id="84" name="Google Shape;84;gd362a0f82f_0_2060:notes"/>
           <p:cNvSpPr/>
           <p:nvPr>
             <p:ph idx="2" type="sldImg"/>
@@ -2250,7 +2050,7 @@
       </p:sp>
       <p:sp>
         <p:nvSpPr>
-          <p:cNvPr id="85" name="Google Shape;85;gd362a0f82f_0_2054:notes"/>
+          <p:cNvPr id="85" name="Google Shape;85;gd362a0f82f_0_2060:notes"/>
           <p:cNvSpPr txBox="1"/>
           <p:nvPr>
             <p:ph idx="1" type="body"/>
@@ -2300,7 +2100,7 @@
   <p:cSld>
     <p:spTree>
       <p:nvGrpSpPr>
-        <p:cNvPr id="90" name="Shape 90"/>
+        <p:cNvPr id="89" name="Shape 89"/>
         <p:cNvGrpSpPr/>
         <p:nvPr/>
       </p:nvGrpSpPr>
@@ -2314,7 +2114,7 @@
       </p:grpSpPr>
       <p:sp>
         <p:nvSpPr>
-          <p:cNvPr id="91" name="Google Shape;91;gd362a0f82f_0_2060:notes"/>
+          <p:cNvPr id="90" name="Google Shape;90;gd362a0f82f_0_2065:notes"/>
           <p:cNvSpPr/>
           <p:nvPr>
             <p:ph idx="2" type="sldImg"/>
@@ -2349,7 +2149,7 @@
       </p:sp>
       <p:sp>
         <p:nvSpPr>
-          <p:cNvPr id="92" name="Google Shape;92;gd362a0f82f_0_2060:notes"/>
+          <p:cNvPr id="91" name="Google Shape;91;gd362a0f82f_0_2065:notes"/>
           <p:cNvSpPr txBox="1"/>
           <p:nvPr>
             <p:ph idx="1" type="body"/>
@@ -2413,7 +2213,7 @@
       </p:grpSpPr>
       <p:sp>
         <p:nvSpPr>
-          <p:cNvPr id="97" name="Google Shape;97;gd362a0f82f_0_2065:notes"/>
+          <p:cNvPr id="97" name="Google Shape;97;gd362a0f82f_0_2080:notes"/>
           <p:cNvSpPr/>
           <p:nvPr>
             <p:ph idx="2" type="sldImg"/>
@@ -2448,7 +2248,7 @@
       </p:sp>
       <p:sp>
         <p:nvSpPr>
-          <p:cNvPr id="98" name="Google Shape;98;gd362a0f82f_0_2065:notes"/>
+          <p:cNvPr id="98" name="Google Shape;98;gd362a0f82f_0_2080:notes"/>
           <p:cNvSpPr txBox="1"/>
           <p:nvPr>
             <p:ph idx="1" type="body"/>
@@ -2498,7 +2298,7 @@
   <p:cSld>
     <p:spTree>
       <p:nvGrpSpPr>
-        <p:cNvPr id="103" name="Shape 103"/>
+        <p:cNvPr id="108" name="Shape 108"/>
         <p:cNvGrpSpPr/>
         <p:nvPr/>
       </p:nvGrpSpPr>
@@ -2512,7 +2312,7 @@
       </p:grpSpPr>
       <p:sp>
         <p:nvSpPr>
-          <p:cNvPr id="104" name="Google Shape;104;gd362a0f82f_0_2080:notes"/>
+          <p:cNvPr id="109" name="Google Shape;109;gd362a0f82f_0_2831:notes"/>
           <p:cNvSpPr/>
           <p:nvPr>
             <p:ph idx="2" type="sldImg"/>
@@ -2547,7 +2347,7 @@
       </p:sp>
       <p:sp>
         <p:nvSpPr>
-          <p:cNvPr id="105" name="Google Shape;105;gd362a0f82f_0_2080:notes"/>
+          <p:cNvPr id="110" name="Google Shape;110;gd362a0f82f_0_2831:notes"/>
           <p:cNvSpPr txBox="1"/>
           <p:nvPr>
             <p:ph idx="1" type="body"/>
@@ -2611,7 +2411,7 @@
       </p:grpSpPr>
       <p:sp>
         <p:nvSpPr>
-          <p:cNvPr id="116" name="Google Shape;116;gd362a0f82f_0_2831:notes"/>
+          <p:cNvPr id="116" name="Google Shape;116;gd362a0f82f_0_2840:notes"/>
           <p:cNvSpPr/>
           <p:nvPr>
             <p:ph idx="2" type="sldImg"/>
@@ -2646,7 +2446,7 @@
       </p:sp>
       <p:sp>
         <p:nvSpPr>
-          <p:cNvPr id="117" name="Google Shape;117;gd362a0f82f_0_2831:notes"/>
+          <p:cNvPr id="117" name="Google Shape;117;gd362a0f82f_0_2840:notes"/>
           <p:cNvSpPr txBox="1"/>
           <p:nvPr>
             <p:ph idx="1" type="body"/>
@@ -7610,26 +7410,46 @@
           <a:prstGeom prst="rect">
             <a:avLst/>
           </a:prstGeom>
+          <a:solidFill>
+            <a:srgbClr val="1C4587"/>
+          </a:solidFill>
         </p:spPr>
         <p:txBody>
           <a:bodyPr anchorCtr="0" anchor="t" bIns="91425" lIns="91425" spcFirstLastPara="1" rIns="91425" wrap="square" tIns="91425">
-            <a:normAutofit fontScale="90000"/>
+            <a:normAutofit/>
           </a:bodyPr>
           <a:lstStyle/>
           <a:p>
             <a:pPr indent="0" lvl="0" marL="0" rtl="0" algn="l">
-              <a:spcBef>
-                <a:spcPts val="0"/>
-              </a:spcBef>
-              <a:spcAft>
-                <a:spcPts val="0"/>
-              </a:spcAft>
-              <a:buNone/>
-            </a:pPr>
-            <a:r>
-              <a:t/>
-            </a:r>
-            <a:endParaRPr/>
+              <a:lnSpc>
+                <a:spcPct val="115000"/>
+              </a:lnSpc>
+              <a:spcBef>
+                <a:spcPts val="0"/>
+              </a:spcBef>
+              <a:spcAft>
+                <a:spcPts val="0"/>
+              </a:spcAft>
+              <a:buClr>
+                <a:schemeClr val="dk1"/>
+              </a:buClr>
+              <a:buSzPts val="1100"/>
+              <a:buFont typeface="Arial"/>
+              <a:buNone/>
+            </a:pPr>
+            <a:r>
+              <a:rPr lang="en" sz="2000">
+                <a:solidFill>
+                  <a:srgbClr val="FFFFFF"/>
+                </a:solidFill>
+              </a:rPr>
+              <a:t>Proportions of positive cases by age</a:t>
+            </a:r>
+            <a:endParaRPr sz="3500">
+              <a:solidFill>
+                <a:srgbClr val="FFFFFF"/>
+              </a:solidFill>
+            </a:endParaRPr>
           </a:p>
         </p:txBody>
       </p:sp>
@@ -7643,8 +7463,8 @@
         </p:nvSpPr>
         <p:spPr>
           <a:xfrm>
-            <a:off x="311700" y="1152475"/>
-            <a:ext cx="8520600" cy="3416400"/>
+            <a:off x="311700" y="3735150"/>
+            <a:ext cx="8520600" cy="1248300"/>
           </a:xfrm>
           <a:prstGeom prst="rect">
             <a:avLst/>
@@ -7656,17 +7476,51 @@
           </a:bodyPr>
           <a:lstStyle/>
           <a:p>
-            <a:pPr indent="0" lvl="0" marL="0" rtl="0" algn="l">
-              <a:spcBef>
-                <a:spcPts val="0"/>
-              </a:spcBef>
-              <a:spcAft>
-                <a:spcPts val="1200"/>
-              </a:spcAft>
-              <a:buNone/>
-            </a:pPr>
-            <a:r>
-              <a:t/>
+            <a:pPr indent="0" lvl="0" marL="0" rtl="0" algn="ctr">
+              <a:spcBef>
+                <a:spcPts val="0"/>
+              </a:spcBef>
+              <a:spcAft>
+                <a:spcPts val="0"/>
+              </a:spcAft>
+              <a:buNone/>
+            </a:pPr>
+            <a:r>
+              <a:rPr lang="en" sz="1500">
+                <a:solidFill>
+                  <a:schemeClr val="dk1"/>
+                </a:solidFill>
+              </a:rPr>
+              <a:t>The second hypothesis to be tested is if there is a relationship between age and getting the disease, so perform a chi squared test. </a:t>
+            </a:r>
+            <a:endParaRPr sz="1500">
+              <a:solidFill>
+                <a:schemeClr val="dk1"/>
+              </a:solidFill>
+            </a:endParaRPr>
+          </a:p>
+          <a:p>
+            <a:pPr indent="0" lvl="0" marL="0" rtl="0" algn="ctr">
+              <a:spcBef>
+                <a:spcPts val="0"/>
+              </a:spcBef>
+              <a:spcAft>
+                <a:spcPts val="0"/>
+              </a:spcAft>
+              <a:buClr>
+                <a:schemeClr val="dk1"/>
+              </a:buClr>
+              <a:buSzPts val="1100"/>
+              <a:buFont typeface="Arial"/>
+              <a:buNone/>
+            </a:pPr>
+            <a:r>
+              <a:rPr lang="en" sz="1500">
+                <a:solidFill>
+                  <a:schemeClr val="dk1"/>
+                </a:solidFill>
+              </a:rPr>
+              <a:t>The result was significant which means I can reject the null hypothesis that there is no connection, and that age matters.</a:t>
             </a:r>
             <a:endParaRPr/>
           </a:p>
@@ -7678,18 +7532,17 @@
           <p:cNvPicPr preferRelativeResize="0"/>
           <p:nvPr/>
         </p:nvPicPr>
-        <p:blipFill>
+        <p:blipFill rotWithShape="1">
           <a:blip r:embed="rId3">
             <a:alphaModFix/>
           </a:blip>
-          <a:stretch>
-            <a:fillRect/>
-          </a:stretch>
+          <a:srcRect b="0" l="0" r="0" t="8466"/>
+          <a:stretch/>
         </p:blipFill>
         <p:spPr>
           <a:xfrm>
-            <a:off x="375375" y="704025"/>
-            <a:ext cx="8168801" cy="4439475"/>
+            <a:off x="2686150" y="1152475"/>
+            <a:ext cx="3629025" cy="2447925"/>
           </a:xfrm>
           <a:prstGeom prst="rect">
             <a:avLst/>
@@ -7700,76 +7553,6 @@
           </a:ln>
         </p:spPr>
       </p:pic>
-      <p:sp>
-        <p:nvSpPr>
-          <p:cNvPr id="129" name="Google Shape;129;p22"/>
-          <p:cNvSpPr txBox="1"/>
-          <p:nvPr/>
-        </p:nvSpPr>
-        <p:spPr>
-          <a:xfrm>
-            <a:off x="757325" y="-9350"/>
-            <a:ext cx="7404900" cy="723300"/>
-          </a:xfrm>
-          <a:prstGeom prst="rect">
-            <a:avLst/>
-          </a:prstGeom>
-          <a:solidFill>
-            <a:srgbClr val="1C4587"/>
-          </a:solidFill>
-          <a:ln>
-            <a:noFill/>
-          </a:ln>
-        </p:spPr>
-        <p:txBody>
-          <a:bodyPr anchorCtr="0" anchor="t" bIns="91425" lIns="91425" spcFirstLastPara="1" rIns="91425" wrap="square" tIns="91425">
-            <a:spAutoFit/>
-          </a:bodyPr>
-          <a:lstStyle/>
-          <a:p>
-            <a:pPr indent="0" lvl="0" marL="0" rtl="0" algn="l">
-              <a:spcBef>
-                <a:spcPts val="0"/>
-              </a:spcBef>
-              <a:spcAft>
-                <a:spcPts val="0"/>
-              </a:spcAft>
-              <a:buNone/>
-            </a:pPr>
-            <a:r>
-              <a:rPr lang="en" sz="2100">
-                <a:solidFill>
-                  <a:srgbClr val="FFFFFF"/>
-                </a:solidFill>
-              </a:rPr>
-              <a:t>This is all the features comparing them to the target variable</a:t>
-            </a:r>
-            <a:endParaRPr b="1" sz="2050">
-              <a:solidFill>
-                <a:srgbClr val="FFFFFF"/>
-              </a:solidFill>
-              <a:highlight>
-                <a:srgbClr val="FFFFFF"/>
-              </a:highlight>
-            </a:endParaRPr>
-          </a:p>
-          <a:p>
-            <a:pPr indent="0" lvl="0" marL="0" rtl="0" algn="l">
-              <a:spcBef>
-                <a:spcPts val="0"/>
-              </a:spcBef>
-              <a:spcAft>
-                <a:spcPts val="0"/>
-              </a:spcAft>
-              <a:buNone/>
-            </a:pPr>
-            <a:r>
-              <a:t/>
-            </a:r>
-            <a:endParaRPr/>
-          </a:p>
-        </p:txBody>
-      </p:sp>
     </p:spTree>
   </p:cSld>
   <p:clrMapOvr>
@@ -7783,7 +7566,7 @@
   <p:cSld>
     <p:spTree>
       <p:nvGrpSpPr>
-        <p:cNvPr id="133" name="Shape 133"/>
+        <p:cNvPr id="132" name="Shape 132"/>
         <p:cNvGrpSpPr/>
         <p:nvPr/>
       </p:nvGrpSpPr>
@@ -7797,116 +7580,16 @@
       </p:grpSpPr>
       <p:sp>
         <p:nvSpPr>
-          <p:cNvPr id="134" name="Google Shape;134;p23"/>
+          <p:cNvPr id="133" name="Google Shape;133;p23"/>
           <p:cNvSpPr txBox="1"/>
           <p:nvPr>
-            <p:ph idx="1" type="body"/>
+            <p:ph type="title"/>
           </p:nvPr>
         </p:nvSpPr>
         <p:spPr>
           <a:xfrm>
-            <a:off x="264950" y="3880125"/>
-            <a:ext cx="7485900" cy="1498200"/>
-          </a:xfrm>
-          <a:prstGeom prst="rect">
-            <a:avLst/>
-          </a:prstGeom>
-        </p:spPr>
-        <p:txBody>
-          <a:bodyPr anchorCtr="0" anchor="t" bIns="91425" lIns="91425" spcFirstLastPara="1" rIns="91425" wrap="square" tIns="91425">
-            <a:normAutofit/>
-          </a:bodyPr>
-          <a:lstStyle/>
-          <a:p>
-            <a:pPr indent="0" lvl="0" marL="0" rtl="0" algn="l">
-              <a:spcBef>
-                <a:spcPts val="0"/>
-              </a:spcBef>
-              <a:spcAft>
-                <a:spcPts val="0"/>
-              </a:spcAft>
-              <a:buClr>
-                <a:schemeClr val="dk1"/>
-              </a:buClr>
-              <a:buSzPts val="1100"/>
-              <a:buFont typeface="Arial"/>
-              <a:buNone/>
-            </a:pPr>
-            <a:r>
-              <a:rPr lang="en" sz="1300">
-                <a:solidFill>
-                  <a:schemeClr val="dk1"/>
-                </a:solidFill>
-              </a:rPr>
-              <a:t> </a:t>
-            </a:r>
-            <a:endParaRPr sz="2000"/>
-          </a:p>
-          <a:p>
-            <a:pPr indent="0" lvl="0" marL="0" rtl="0" algn="ctr">
-              <a:spcBef>
-                <a:spcPts val="0"/>
-              </a:spcBef>
-              <a:spcAft>
-                <a:spcPts val="1200"/>
-              </a:spcAft>
-              <a:buClr>
-                <a:schemeClr val="dk1"/>
-              </a:buClr>
-              <a:buSzPts val="1100"/>
-              <a:buFont typeface="Arial"/>
-              <a:buNone/>
-            </a:pPr>
-            <a:r>
-              <a:rPr lang="en" sz="1743"/>
-              <a:t>First Hypothesis to be tested is to t</a:t>
-            </a:r>
-            <a:r>
-              <a:rPr lang="en" sz="1743"/>
-              <a:t>est if females test positive more than males by performing a proportion z_test. We were able to reject the null hypothesis</a:t>
-            </a:r>
-            <a:endParaRPr sz="1743"/>
-          </a:p>
-        </p:txBody>
-      </p:sp>
-      <p:pic>
-        <p:nvPicPr>
-          <p:cNvPr id="135" name="Google Shape;135;p23"/>
-          <p:cNvPicPr preferRelativeResize="0"/>
-          <p:nvPr/>
-        </p:nvPicPr>
-        <p:blipFill>
-          <a:blip r:embed="rId3">
-            <a:alphaModFix/>
-          </a:blip>
-          <a:stretch>
-            <a:fillRect/>
-          </a:stretch>
-        </p:blipFill>
-        <p:spPr>
-          <a:xfrm>
-            <a:off x="1150400" y="526300"/>
-            <a:ext cx="5715000" cy="3543300"/>
-          </a:xfrm>
-          <a:prstGeom prst="rect">
-            <a:avLst/>
-          </a:prstGeom>
-          <a:noFill/>
-          <a:ln>
-            <a:noFill/>
-          </a:ln>
-        </p:spPr>
-      </p:pic>
-      <p:sp>
-        <p:nvSpPr>
-          <p:cNvPr id="136" name="Google Shape;136;p23"/>
-          <p:cNvSpPr/>
-          <p:nvPr/>
-        </p:nvSpPr>
-        <p:spPr>
-          <a:xfrm>
-            <a:off x="1860975" y="0"/>
-            <a:ext cx="5067600" cy="563700"/>
+            <a:off x="1918200" y="1299600"/>
+            <a:ext cx="5307600" cy="879000"/>
           </a:xfrm>
           <a:prstGeom prst="rect">
             <a:avLst/>
@@ -7914,40 +7597,39 @@
           <a:solidFill>
             <a:srgbClr val="1C4587"/>
           </a:solidFill>
-          <a:ln cap="flat" cmpd="sng" w="9525">
-            <a:solidFill>
-              <a:schemeClr val="dk2"/>
-            </a:solidFill>
-            <a:prstDash val="solid"/>
-            <a:round/>
-            <a:headEnd len="sm" w="sm" type="none"/>
-            <a:tailEnd len="sm" w="sm" type="none"/>
-          </a:ln>
         </p:spPr>
         <p:txBody>
-          <a:bodyPr anchorCtr="0" anchor="ctr" bIns="91425" lIns="91425" spcFirstLastPara="1" rIns="91425" wrap="square" tIns="91425">
+          <a:bodyPr anchorCtr="0" anchor="t" bIns="91425" lIns="91425" spcFirstLastPara="1" rIns="91425" wrap="square" tIns="91425">
             <a:noAutofit/>
           </a:bodyPr>
           <a:lstStyle/>
           <a:p>
             <a:pPr indent="0" lvl="0" marL="0" rtl="0" algn="l">
-              <a:spcBef>
-                <a:spcPts val="0"/>
-              </a:spcBef>
-              <a:spcAft>
-                <a:spcPts val="0"/>
-              </a:spcAft>
-              <a:buNone/>
-            </a:pPr>
-            <a:r>
-              <a:rPr lang="en" sz="2000">
+              <a:lnSpc>
+                <a:spcPct val="115000"/>
+              </a:lnSpc>
+              <a:spcBef>
+                <a:spcPts val="2000"/>
+              </a:spcBef>
+              <a:spcAft>
+                <a:spcPts val="600"/>
+              </a:spcAft>
+              <a:buClr>
+                <a:schemeClr val="dk1"/>
+              </a:buClr>
+              <a:buSzPts val="990"/>
+              <a:buFont typeface="Arial"/>
+              <a:buNone/>
+            </a:pPr>
+            <a:r>
+              <a:rPr lang="en" sz="3200">
                 <a:solidFill>
                   <a:srgbClr val="FFFFFF"/>
                 </a:solidFill>
               </a:rPr>
-              <a:t>Females to males who tested positive</a:t>
-            </a:r>
-            <a:endParaRPr sz="2000">
+              <a:t>Machine Learning Modeling</a:t>
+            </a:r>
+            <a:endParaRPr sz="3920">
               <a:solidFill>
                 <a:srgbClr val="FFFFFF"/>
               </a:solidFill>
@@ -7968,7 +7650,7 @@
   <p:cSld>
     <p:spTree>
       <p:nvGrpSpPr>
-        <p:cNvPr id="140" name="Shape 140"/>
+        <p:cNvPr id="137" name="Shape 137"/>
         <p:cNvGrpSpPr/>
         <p:nvPr/>
       </p:nvGrpSpPr>
@@ -7982,7 +7664,7 @@
       </p:grpSpPr>
       <p:sp>
         <p:nvSpPr>
-          <p:cNvPr id="141" name="Google Shape;141;p24"/>
+          <p:cNvPr id="138" name="Google Shape;138;p24"/>
           <p:cNvSpPr txBox="1"/>
           <p:nvPr>
             <p:ph type="title"/>
@@ -7990,7 +7672,7 @@
         </p:nvSpPr>
         <p:spPr>
           <a:xfrm>
-            <a:off x="311700" y="445025"/>
+            <a:off x="227550" y="407625"/>
             <a:ext cx="8520600" cy="572700"/>
           </a:xfrm>
           <a:prstGeom prst="rect">
@@ -8002,274 +7684,6 @@
         </p:spPr>
         <p:txBody>
           <a:bodyPr anchorCtr="0" anchor="t" bIns="91425" lIns="91425" spcFirstLastPara="1" rIns="91425" wrap="square" tIns="91425">
-            <a:normAutofit/>
-          </a:bodyPr>
-          <a:lstStyle/>
-          <a:p>
-            <a:pPr indent="0" lvl="0" marL="0" rtl="0" algn="l">
-              <a:lnSpc>
-                <a:spcPct val="115000"/>
-              </a:lnSpc>
-              <a:spcBef>
-                <a:spcPts val="0"/>
-              </a:spcBef>
-              <a:spcAft>
-                <a:spcPts val="0"/>
-              </a:spcAft>
-              <a:buClr>
-                <a:schemeClr val="dk1"/>
-              </a:buClr>
-              <a:buSzPts val="1100"/>
-              <a:buFont typeface="Arial"/>
-              <a:buNone/>
-            </a:pPr>
-            <a:r>
-              <a:rPr lang="en" sz="2000">
-                <a:solidFill>
-                  <a:srgbClr val="FFFFFF"/>
-                </a:solidFill>
-              </a:rPr>
-              <a:t>Proportions of positive cases by age</a:t>
-            </a:r>
-            <a:endParaRPr sz="3500">
-              <a:solidFill>
-                <a:srgbClr val="FFFFFF"/>
-              </a:solidFill>
-            </a:endParaRPr>
-          </a:p>
-        </p:txBody>
-      </p:sp>
-      <p:sp>
-        <p:nvSpPr>
-          <p:cNvPr id="142" name="Google Shape;142;p24"/>
-          <p:cNvSpPr txBox="1"/>
-          <p:nvPr>
-            <p:ph idx="1" type="body"/>
-          </p:nvPr>
-        </p:nvSpPr>
-        <p:spPr>
-          <a:xfrm>
-            <a:off x="311700" y="3735150"/>
-            <a:ext cx="8520600" cy="1248300"/>
-          </a:xfrm>
-          <a:prstGeom prst="rect">
-            <a:avLst/>
-          </a:prstGeom>
-        </p:spPr>
-        <p:txBody>
-          <a:bodyPr anchorCtr="0" anchor="t" bIns="91425" lIns="91425" spcFirstLastPara="1" rIns="91425" wrap="square" tIns="91425">
-            <a:normAutofit/>
-          </a:bodyPr>
-          <a:lstStyle/>
-          <a:p>
-            <a:pPr indent="0" lvl="0" marL="0" rtl="0" algn="ctr">
-              <a:spcBef>
-                <a:spcPts val="0"/>
-              </a:spcBef>
-              <a:spcAft>
-                <a:spcPts val="0"/>
-              </a:spcAft>
-              <a:buNone/>
-            </a:pPr>
-            <a:r>
-              <a:rPr lang="en" sz="1500">
-                <a:solidFill>
-                  <a:schemeClr val="dk1"/>
-                </a:solidFill>
-              </a:rPr>
-              <a:t>The second hypothesis to be tested is if there is a relationship between age and getting the disease, so perform a chi squared test. </a:t>
-            </a:r>
-            <a:endParaRPr sz="1500">
-              <a:solidFill>
-                <a:schemeClr val="dk1"/>
-              </a:solidFill>
-            </a:endParaRPr>
-          </a:p>
-          <a:p>
-            <a:pPr indent="0" lvl="0" marL="0" rtl="0" algn="ctr">
-              <a:spcBef>
-                <a:spcPts val="0"/>
-              </a:spcBef>
-              <a:spcAft>
-                <a:spcPts val="0"/>
-              </a:spcAft>
-              <a:buClr>
-                <a:schemeClr val="dk1"/>
-              </a:buClr>
-              <a:buSzPts val="1100"/>
-              <a:buFont typeface="Arial"/>
-              <a:buNone/>
-            </a:pPr>
-            <a:r>
-              <a:rPr lang="en" sz="1500">
-                <a:solidFill>
-                  <a:schemeClr val="dk1"/>
-                </a:solidFill>
-              </a:rPr>
-              <a:t>The result was significant which means I can reject the null hypothesis that there is no connection, and that age matters.</a:t>
-            </a:r>
-            <a:endParaRPr/>
-          </a:p>
-        </p:txBody>
-      </p:sp>
-      <p:pic>
-        <p:nvPicPr>
-          <p:cNvPr id="143" name="Google Shape;143;p24"/>
-          <p:cNvPicPr preferRelativeResize="0"/>
-          <p:nvPr/>
-        </p:nvPicPr>
-        <p:blipFill rotWithShape="1">
-          <a:blip r:embed="rId3">
-            <a:alphaModFix/>
-          </a:blip>
-          <a:srcRect b="0" l="0" r="0" t="8466"/>
-          <a:stretch/>
-        </p:blipFill>
-        <p:spPr>
-          <a:xfrm>
-            <a:off x="2686150" y="1152475"/>
-            <a:ext cx="3629025" cy="2447925"/>
-          </a:xfrm>
-          <a:prstGeom prst="rect">
-            <a:avLst/>
-          </a:prstGeom>
-          <a:noFill/>
-          <a:ln>
-            <a:noFill/>
-          </a:ln>
-        </p:spPr>
-      </p:pic>
-    </p:spTree>
-  </p:cSld>
-  <p:clrMapOvr>
-    <a:masterClrMapping/>
-  </p:clrMapOvr>
-</p:sld>
-</file>
-
-<file path=ppt/slides/slide13.xml><?xml version="1.0" encoding="utf-8"?>
-<p:sld xmlns:a="http://schemas.openxmlformats.org/drawingml/2006/main" xmlns:r="http://schemas.openxmlformats.org/officeDocument/2006/relationships" xmlns:mc="http://schemas.openxmlformats.org/markup-compatibility/2006" xmlns:mv="urn:schemas-microsoft-com:mac:vml" xmlns:p="http://schemas.openxmlformats.org/presentationml/2006/main" xmlns:c="http://schemas.openxmlformats.org/drawingml/2006/chart" xmlns:dgm="http://schemas.openxmlformats.org/drawingml/2006/diagram" xmlns:o="urn:schemas-microsoft-com:office:office" xmlns:v="urn:schemas-microsoft-com:vml" xmlns:pvml="urn:schemas-microsoft-com:office:powerpoint" xmlns:com="http://schemas.openxmlformats.org/drawingml/2006/compatibility" xmlns:p14="http://schemas.microsoft.com/office/powerpoint/2010/main" xmlns:p15="http://schemas.microsoft.com/office/powerpoint/2012/main" xmlns:ahyp="http://schemas.microsoft.com/office/drawing/2018/hyperlinkcolor">
-  <p:cSld>
-    <p:spTree>
-      <p:nvGrpSpPr>
-        <p:cNvPr id="147" name="Shape 147"/>
-        <p:cNvGrpSpPr/>
-        <p:nvPr/>
-      </p:nvGrpSpPr>
-      <p:grpSpPr>
-        <a:xfrm>
-          <a:off x="0" y="0"/>
-          <a:ext cx="0" cy="0"/>
-          <a:chOff x="0" y="0"/>
-          <a:chExt cx="0" cy="0"/>
-        </a:xfrm>
-      </p:grpSpPr>
-      <p:sp>
-        <p:nvSpPr>
-          <p:cNvPr id="148" name="Google Shape;148;p25"/>
-          <p:cNvSpPr txBox="1"/>
-          <p:nvPr>
-            <p:ph type="title"/>
-          </p:nvPr>
-        </p:nvSpPr>
-        <p:spPr>
-          <a:xfrm>
-            <a:off x="1918200" y="1299600"/>
-            <a:ext cx="5307600" cy="879000"/>
-          </a:xfrm>
-          <a:prstGeom prst="rect">
-            <a:avLst/>
-          </a:prstGeom>
-          <a:solidFill>
-            <a:srgbClr val="1C4587"/>
-          </a:solidFill>
-        </p:spPr>
-        <p:txBody>
-          <a:bodyPr anchorCtr="0" anchor="t" bIns="91425" lIns="91425" spcFirstLastPara="1" rIns="91425" wrap="square" tIns="91425">
-            <a:noAutofit/>
-          </a:bodyPr>
-          <a:lstStyle/>
-          <a:p>
-            <a:pPr indent="0" lvl="0" marL="0" rtl="0" algn="l">
-              <a:lnSpc>
-                <a:spcPct val="115000"/>
-              </a:lnSpc>
-              <a:spcBef>
-                <a:spcPts val="2000"/>
-              </a:spcBef>
-              <a:spcAft>
-                <a:spcPts val="600"/>
-              </a:spcAft>
-              <a:buClr>
-                <a:schemeClr val="dk1"/>
-              </a:buClr>
-              <a:buSzPts val="990"/>
-              <a:buFont typeface="Arial"/>
-              <a:buNone/>
-            </a:pPr>
-            <a:r>
-              <a:rPr lang="en" sz="3200">
-                <a:solidFill>
-                  <a:srgbClr val="FFFFFF"/>
-                </a:solidFill>
-              </a:rPr>
-              <a:t>Machine Learning Modeling</a:t>
-            </a:r>
-            <a:endParaRPr sz="3920">
-              <a:solidFill>
-                <a:srgbClr val="FFFFFF"/>
-              </a:solidFill>
-            </a:endParaRPr>
-          </a:p>
-        </p:txBody>
-      </p:sp>
-    </p:spTree>
-  </p:cSld>
-  <p:clrMapOvr>
-    <a:masterClrMapping/>
-  </p:clrMapOvr>
-</p:sld>
-</file>
-
-<file path=ppt/slides/slide14.xml><?xml version="1.0" encoding="utf-8"?>
-<p:sld xmlns:a="http://schemas.openxmlformats.org/drawingml/2006/main" xmlns:r="http://schemas.openxmlformats.org/officeDocument/2006/relationships" xmlns:mc="http://schemas.openxmlformats.org/markup-compatibility/2006" xmlns:mv="urn:schemas-microsoft-com:mac:vml" xmlns:p="http://schemas.openxmlformats.org/presentationml/2006/main" xmlns:c="http://schemas.openxmlformats.org/drawingml/2006/chart" xmlns:dgm="http://schemas.openxmlformats.org/drawingml/2006/diagram" xmlns:o="urn:schemas-microsoft-com:office:office" xmlns:v="urn:schemas-microsoft-com:vml" xmlns:pvml="urn:schemas-microsoft-com:office:powerpoint" xmlns:com="http://schemas.openxmlformats.org/drawingml/2006/compatibility" xmlns:p14="http://schemas.microsoft.com/office/powerpoint/2010/main" xmlns:p15="http://schemas.microsoft.com/office/powerpoint/2012/main" xmlns:ahyp="http://schemas.microsoft.com/office/drawing/2018/hyperlinkcolor">
-  <p:cSld>
-    <p:spTree>
-      <p:nvGrpSpPr>
-        <p:cNvPr id="152" name="Shape 152"/>
-        <p:cNvGrpSpPr/>
-        <p:nvPr/>
-      </p:nvGrpSpPr>
-      <p:grpSpPr>
-        <a:xfrm>
-          <a:off x="0" y="0"/>
-          <a:ext cx="0" cy="0"/>
-          <a:chOff x="0" y="0"/>
-          <a:chExt cx="0" cy="0"/>
-        </a:xfrm>
-      </p:grpSpPr>
-      <p:sp>
-        <p:nvSpPr>
-          <p:cNvPr id="153" name="Google Shape;153;p26"/>
-          <p:cNvSpPr txBox="1"/>
-          <p:nvPr>
-            <p:ph type="title"/>
-          </p:nvPr>
-        </p:nvSpPr>
-        <p:spPr>
-          <a:xfrm>
-            <a:off x="227550" y="407625"/>
-            <a:ext cx="8520600" cy="572700"/>
-          </a:xfrm>
-          <a:prstGeom prst="rect">
-            <a:avLst/>
-          </a:prstGeom>
-          <a:solidFill>
-            <a:srgbClr val="1C4587"/>
-          </a:solidFill>
-        </p:spPr>
-        <p:txBody>
-          <a:bodyPr anchorCtr="0" anchor="t" bIns="91425" lIns="91425" spcFirstLastPara="1" rIns="91425" wrap="square" tIns="91425">
             <a:normAutofit fontScale="90000"/>
           </a:bodyPr>
           <a:lstStyle/>
@@ -8301,7 +7715,7 @@
       </p:sp>
       <p:sp>
         <p:nvSpPr>
-          <p:cNvPr id="154" name="Google Shape;154;p26"/>
+          <p:cNvPr id="139" name="Google Shape;139;p24"/>
           <p:cNvSpPr txBox="1"/>
           <p:nvPr>
             <p:ph idx="1" type="body"/>
@@ -8340,7 +7754,7 @@
       </p:sp>
       <p:sp>
         <p:nvSpPr>
-          <p:cNvPr id="155" name="Google Shape;155;p26"/>
+          <p:cNvPr id="140" name="Google Shape;140;p24"/>
           <p:cNvSpPr/>
           <p:nvPr/>
         </p:nvSpPr>
@@ -8397,7 +7811,7 @@
       </p:sp>
       <p:sp>
         <p:nvSpPr>
-          <p:cNvPr id="156" name="Google Shape;156;p26"/>
+          <p:cNvPr id="141" name="Google Shape;141;p24"/>
           <p:cNvSpPr/>
           <p:nvPr/>
         </p:nvSpPr>
@@ -8454,7 +7868,7 @@
       </p:sp>
       <p:sp>
         <p:nvSpPr>
-          <p:cNvPr id="157" name="Google Shape;157;p26"/>
+          <p:cNvPr id="142" name="Google Shape;142;p24"/>
           <p:cNvSpPr/>
           <p:nvPr/>
         </p:nvSpPr>
@@ -8517,12 +7931,12 @@
 </p:sld>
 </file>
 
-<file path=ppt/slides/slide15.xml><?xml version="1.0" encoding="utf-8"?>
+<file path=ppt/slides/slide13.xml><?xml version="1.0" encoding="utf-8"?>
 <p:sld xmlns:a="http://schemas.openxmlformats.org/drawingml/2006/main" xmlns:r="http://schemas.openxmlformats.org/officeDocument/2006/relationships" xmlns:mc="http://schemas.openxmlformats.org/markup-compatibility/2006" xmlns:mv="urn:schemas-microsoft-com:mac:vml" xmlns:p="http://schemas.openxmlformats.org/presentationml/2006/main" xmlns:c="http://schemas.openxmlformats.org/drawingml/2006/chart" xmlns:dgm="http://schemas.openxmlformats.org/drawingml/2006/diagram" xmlns:o="urn:schemas-microsoft-com:office:office" xmlns:v="urn:schemas-microsoft-com:vml" xmlns:pvml="urn:schemas-microsoft-com:office:powerpoint" xmlns:com="http://schemas.openxmlformats.org/drawingml/2006/compatibility" xmlns:p14="http://schemas.microsoft.com/office/powerpoint/2010/main" xmlns:p15="http://schemas.microsoft.com/office/powerpoint/2012/main" xmlns:ahyp="http://schemas.microsoft.com/office/drawing/2018/hyperlinkcolor">
   <p:cSld>
     <p:spTree>
       <p:nvGrpSpPr>
-        <p:cNvPr id="161" name="Shape 161"/>
+        <p:cNvPr id="146" name="Shape 146"/>
         <p:cNvGrpSpPr/>
         <p:nvPr/>
       </p:nvGrpSpPr>
@@ -8536,7 +7950,7 @@
       </p:grpSpPr>
       <p:sp>
         <p:nvSpPr>
-          <p:cNvPr id="162" name="Google Shape;162;p27"/>
+          <p:cNvPr id="147" name="Google Shape;147;p25"/>
           <p:cNvSpPr txBox="1"/>
           <p:nvPr>
             <p:ph type="title"/>
@@ -8587,7 +8001,7 @@
       </p:sp>
       <p:sp>
         <p:nvSpPr>
-          <p:cNvPr id="163" name="Google Shape;163;p27"/>
+          <p:cNvPr id="148" name="Google Shape;148;p25"/>
           <p:cNvSpPr txBox="1"/>
           <p:nvPr>
             <p:ph idx="1" type="body"/>
@@ -8629,7 +8043,7 @@
       </p:sp>
       <p:sp>
         <p:nvSpPr>
-          <p:cNvPr id="164" name="Google Shape;164;p27"/>
+          <p:cNvPr id="149" name="Google Shape;149;p25"/>
           <p:cNvSpPr/>
           <p:nvPr/>
         </p:nvSpPr>
@@ -8804,7 +8218,7 @@
       </p:sp>
       <p:sp>
         <p:nvSpPr>
-          <p:cNvPr id="165" name="Google Shape;165;p27"/>
+          <p:cNvPr id="150" name="Google Shape;150;p25"/>
           <p:cNvSpPr/>
           <p:nvPr/>
         </p:nvSpPr>
@@ -8950,7 +8364,7 @@
       </p:sp>
       <p:sp>
         <p:nvSpPr>
-          <p:cNvPr id="166" name="Google Shape;166;p27"/>
+          <p:cNvPr id="151" name="Google Shape;151;p25"/>
           <p:cNvSpPr/>
           <p:nvPr/>
         </p:nvSpPr>
@@ -9002,7 +8416,7 @@
       </p:sp>
       <p:sp>
         <p:nvSpPr>
-          <p:cNvPr id="167" name="Google Shape;167;p27"/>
+          <p:cNvPr id="152" name="Google Shape;152;p25"/>
           <p:cNvSpPr/>
           <p:nvPr/>
         </p:nvSpPr>
@@ -9054,7 +8468,7 @@
       </p:sp>
       <p:sp>
         <p:nvSpPr>
-          <p:cNvPr id="168" name="Google Shape;168;p27"/>
+          <p:cNvPr id="153" name="Google Shape;153;p25"/>
           <p:cNvSpPr/>
           <p:nvPr/>
         </p:nvSpPr>
@@ -9107,7 +8521,7 @@
       </p:sp>
       <p:sp>
         <p:nvSpPr>
-          <p:cNvPr id="169" name="Google Shape;169;p27"/>
+          <p:cNvPr id="154" name="Google Shape;154;p25"/>
           <p:cNvSpPr/>
           <p:nvPr/>
         </p:nvSpPr>
@@ -9159,7 +8573,7 @@
       </p:sp>
       <p:sp>
         <p:nvSpPr>
-          <p:cNvPr id="170" name="Google Shape;170;p27"/>
+          <p:cNvPr id="155" name="Google Shape;155;p25"/>
           <p:cNvSpPr/>
           <p:nvPr/>
         </p:nvSpPr>
@@ -9217,12 +8631,12 @@
 </p:sld>
 </file>
 
-<file path=ppt/slides/slide16.xml><?xml version="1.0" encoding="utf-8"?>
+<file path=ppt/slides/slide14.xml><?xml version="1.0" encoding="utf-8"?>
 <p:sld xmlns:a="http://schemas.openxmlformats.org/drawingml/2006/main" xmlns:r="http://schemas.openxmlformats.org/officeDocument/2006/relationships" xmlns:mc="http://schemas.openxmlformats.org/markup-compatibility/2006" xmlns:mv="urn:schemas-microsoft-com:mac:vml" xmlns:p="http://schemas.openxmlformats.org/presentationml/2006/main" xmlns:c="http://schemas.openxmlformats.org/drawingml/2006/chart" xmlns:dgm="http://schemas.openxmlformats.org/drawingml/2006/diagram" xmlns:o="urn:schemas-microsoft-com:office:office" xmlns:v="urn:schemas-microsoft-com:vml" xmlns:pvml="urn:schemas-microsoft-com:office:powerpoint" xmlns:com="http://schemas.openxmlformats.org/drawingml/2006/compatibility" xmlns:p14="http://schemas.microsoft.com/office/powerpoint/2010/main" xmlns:p15="http://schemas.microsoft.com/office/powerpoint/2012/main" xmlns:ahyp="http://schemas.microsoft.com/office/drawing/2018/hyperlinkcolor">
   <p:cSld>
     <p:spTree>
       <p:nvGrpSpPr>
-        <p:cNvPr id="174" name="Shape 174"/>
+        <p:cNvPr id="159" name="Shape 159"/>
         <p:cNvGrpSpPr/>
         <p:nvPr/>
       </p:nvGrpSpPr>
@@ -9236,7 +8650,7 @@
       </p:grpSpPr>
       <p:sp>
         <p:nvSpPr>
-          <p:cNvPr id="175" name="Google Shape;175;p28"/>
+          <p:cNvPr id="160" name="Google Shape;160;p26"/>
           <p:cNvSpPr txBox="1"/>
           <p:nvPr>
             <p:ph type="title"/>
@@ -9287,7 +8701,7 @@
       </p:sp>
       <p:sp>
         <p:nvSpPr>
-          <p:cNvPr id="176" name="Google Shape;176;p28"/>
+          <p:cNvPr id="161" name="Google Shape;161;p26"/>
           <p:cNvSpPr txBox="1"/>
           <p:nvPr>
             <p:ph idx="1" type="body"/>
@@ -9405,6 +8819,323 @@
                 <a:srgbClr val="FFFFFF"/>
               </a:solidFill>
             </a:endParaRPr>
+          </a:p>
+        </p:txBody>
+      </p:sp>
+    </p:spTree>
+  </p:cSld>
+  <p:clrMapOvr>
+    <a:masterClrMapping/>
+  </p:clrMapOvr>
+</p:sld>
+</file>
+
+<file path=ppt/slides/slide15.xml><?xml version="1.0" encoding="utf-8"?>
+<p:sld xmlns:a="http://schemas.openxmlformats.org/drawingml/2006/main" xmlns:r="http://schemas.openxmlformats.org/officeDocument/2006/relationships" xmlns:mc="http://schemas.openxmlformats.org/markup-compatibility/2006" xmlns:mv="urn:schemas-microsoft-com:mac:vml" xmlns:p="http://schemas.openxmlformats.org/presentationml/2006/main" xmlns:c="http://schemas.openxmlformats.org/drawingml/2006/chart" xmlns:dgm="http://schemas.openxmlformats.org/drawingml/2006/diagram" xmlns:o="urn:schemas-microsoft-com:office:office" xmlns:v="urn:schemas-microsoft-com:vml" xmlns:pvml="urn:schemas-microsoft-com:office:powerpoint" xmlns:com="http://schemas.openxmlformats.org/drawingml/2006/compatibility" xmlns:p14="http://schemas.microsoft.com/office/powerpoint/2010/main" xmlns:p15="http://schemas.microsoft.com/office/powerpoint/2012/main" xmlns:ahyp="http://schemas.microsoft.com/office/drawing/2018/hyperlinkcolor">
+  <p:cSld>
+    <p:spTree>
+      <p:nvGrpSpPr>
+        <p:cNvPr id="165" name="Shape 165"/>
+        <p:cNvGrpSpPr/>
+        <p:nvPr/>
+      </p:nvGrpSpPr>
+      <p:grpSpPr>
+        <a:xfrm>
+          <a:off x="0" y="0"/>
+          <a:ext cx="0" cy="0"/>
+          <a:chOff x="0" y="0"/>
+          <a:chExt cx="0" cy="0"/>
+        </a:xfrm>
+      </p:grpSpPr>
+      <p:sp>
+        <p:nvSpPr>
+          <p:cNvPr id="166" name="Google Shape;166;p27"/>
+          <p:cNvSpPr txBox="1"/>
+          <p:nvPr>
+            <p:ph type="title"/>
+          </p:nvPr>
+        </p:nvSpPr>
+        <p:spPr>
+          <a:xfrm>
+            <a:off x="311700" y="454375"/>
+            <a:ext cx="8520600" cy="572700"/>
+          </a:xfrm>
+          <a:prstGeom prst="rect">
+            <a:avLst/>
+          </a:prstGeom>
+          <a:solidFill>
+            <a:srgbClr val="073763"/>
+          </a:solidFill>
+        </p:spPr>
+        <p:txBody>
+          <a:bodyPr anchorCtr="0" anchor="t" bIns="91425" lIns="91425" spcFirstLastPara="1" rIns="91425" wrap="square" tIns="91425">
+            <a:normAutofit fontScale="90000"/>
+          </a:bodyPr>
+          <a:lstStyle/>
+          <a:p>
+            <a:pPr indent="0" lvl="0" marL="0" rtl="0" algn="l">
+              <a:spcBef>
+                <a:spcPts val="0"/>
+              </a:spcBef>
+              <a:spcAft>
+                <a:spcPts val="0"/>
+              </a:spcAft>
+              <a:buNone/>
+            </a:pPr>
+            <a:r>
+              <a:rPr lang="en">
+                <a:solidFill>
+                  <a:srgbClr val="FFFFFF"/>
+                </a:solidFill>
+              </a:rPr>
+              <a:t>Model Comparison:</a:t>
+            </a:r>
+            <a:endParaRPr>
+              <a:solidFill>
+                <a:srgbClr val="FFFFFF"/>
+              </a:solidFill>
+            </a:endParaRPr>
+          </a:p>
+          <a:p>
+            <a:pPr indent="0" lvl="0" marL="0" rtl="0" algn="l">
+              <a:spcBef>
+                <a:spcPts val="0"/>
+              </a:spcBef>
+              <a:spcAft>
+                <a:spcPts val="0"/>
+              </a:spcAft>
+              <a:buNone/>
+            </a:pPr>
+            <a:r>
+              <a:t/>
+            </a:r>
+            <a:endParaRPr/>
+          </a:p>
+        </p:txBody>
+      </p:sp>
+      <p:sp>
+        <p:nvSpPr>
+          <p:cNvPr id="167" name="Google Shape;167;p27"/>
+          <p:cNvSpPr txBox="1"/>
+          <p:nvPr>
+            <p:ph idx="1" type="body"/>
+          </p:nvPr>
+        </p:nvSpPr>
+        <p:spPr>
+          <a:xfrm>
+            <a:off x="311700" y="1152475"/>
+            <a:ext cx="8520600" cy="3416400"/>
+          </a:xfrm>
+          <a:prstGeom prst="rect">
+            <a:avLst/>
+          </a:prstGeom>
+        </p:spPr>
+        <p:txBody>
+          <a:bodyPr anchorCtr="0" anchor="t" bIns="91425" lIns="91425" spcFirstLastPara="1" rIns="91425" wrap="square" tIns="91425">
+            <a:normAutofit/>
+          </a:bodyPr>
+          <a:lstStyle/>
+          <a:p>
+            <a:pPr indent="0" lvl="0" marL="0" rtl="0" algn="l">
+              <a:spcBef>
+                <a:spcPts val="0"/>
+              </a:spcBef>
+              <a:spcAft>
+                <a:spcPts val="1200"/>
+              </a:spcAft>
+              <a:buNone/>
+            </a:pPr>
+            <a:r>
+              <a:t/>
+            </a:r>
+            <a:endParaRPr/>
+          </a:p>
+        </p:txBody>
+      </p:sp>
+      <p:pic>
+        <p:nvPicPr>
+          <p:cNvPr id="168" name="Google Shape;168;p27"/>
+          <p:cNvPicPr preferRelativeResize="0"/>
+          <p:nvPr/>
+        </p:nvPicPr>
+        <p:blipFill rotWithShape="1">
+          <a:blip r:embed="rId3">
+            <a:alphaModFix/>
+          </a:blip>
+          <a:srcRect b="0" l="0" r="0" t="4168"/>
+          <a:stretch/>
+        </p:blipFill>
+        <p:spPr>
+          <a:xfrm>
+            <a:off x="1293425" y="1268725"/>
+            <a:ext cx="5410200" cy="3771900"/>
+          </a:xfrm>
+          <a:prstGeom prst="rect">
+            <a:avLst/>
+          </a:prstGeom>
+          <a:noFill/>
+          <a:ln>
+            <a:noFill/>
+          </a:ln>
+        </p:spPr>
+      </p:pic>
+      <p:sp>
+        <p:nvSpPr>
+          <p:cNvPr id="169" name="Google Shape;169;p27"/>
+          <p:cNvSpPr txBox="1"/>
+          <p:nvPr/>
+        </p:nvSpPr>
+        <p:spPr>
+          <a:xfrm>
+            <a:off x="2010175" y="934975"/>
+            <a:ext cx="4431900" cy="446400"/>
+          </a:xfrm>
+          <a:prstGeom prst="rect">
+            <a:avLst/>
+          </a:prstGeom>
+          <a:noFill/>
+          <a:ln>
+            <a:noFill/>
+          </a:ln>
+        </p:spPr>
+        <p:txBody>
+          <a:bodyPr anchorCtr="0" anchor="t" bIns="91425" lIns="91425" spcFirstLastPara="1" rIns="91425" wrap="square" tIns="91425">
+            <a:spAutoFit/>
+          </a:bodyPr>
+          <a:lstStyle/>
+          <a:p>
+            <a:pPr indent="0" lvl="0" marL="0" rtl="0" algn="ctr">
+              <a:lnSpc>
+                <a:spcPct val="115000"/>
+              </a:lnSpc>
+              <a:spcBef>
+                <a:spcPts val="0"/>
+              </a:spcBef>
+              <a:spcAft>
+                <a:spcPts val="0"/>
+              </a:spcAft>
+              <a:buClr>
+                <a:schemeClr val="dk1"/>
+              </a:buClr>
+              <a:buSzPts val="1100"/>
+              <a:buFont typeface="Arial"/>
+              <a:buNone/>
+            </a:pPr>
+            <a:r>
+              <a:rPr b="1" lang="en" sz="1700">
+                <a:solidFill>
+                  <a:schemeClr val="dk1"/>
+                </a:solidFill>
+              </a:rPr>
+              <a:t>Receiver Operator Characteristic curve </a:t>
+            </a:r>
+            <a:endParaRPr b="1" sz="1800"/>
+          </a:p>
+        </p:txBody>
+      </p:sp>
+    </p:spTree>
+  </p:cSld>
+  <p:clrMapOvr>
+    <a:masterClrMapping/>
+  </p:clrMapOvr>
+</p:sld>
+</file>
+
+<file path=ppt/slides/slide16.xml><?xml version="1.0" encoding="utf-8"?>
+<p:sld xmlns:a="http://schemas.openxmlformats.org/drawingml/2006/main" xmlns:r="http://schemas.openxmlformats.org/officeDocument/2006/relationships" xmlns:mc="http://schemas.openxmlformats.org/markup-compatibility/2006" xmlns:mv="urn:schemas-microsoft-com:mac:vml" xmlns:p="http://schemas.openxmlformats.org/presentationml/2006/main" xmlns:c="http://schemas.openxmlformats.org/drawingml/2006/chart" xmlns:dgm="http://schemas.openxmlformats.org/drawingml/2006/diagram" xmlns:o="urn:schemas-microsoft-com:office:office" xmlns:v="urn:schemas-microsoft-com:vml" xmlns:pvml="urn:schemas-microsoft-com:office:powerpoint" xmlns:com="http://schemas.openxmlformats.org/drawingml/2006/compatibility" xmlns:p14="http://schemas.microsoft.com/office/powerpoint/2010/main" xmlns:p15="http://schemas.microsoft.com/office/powerpoint/2012/main" xmlns:ahyp="http://schemas.microsoft.com/office/drawing/2018/hyperlinkcolor">
+  <p:cSld>
+    <p:spTree>
+      <p:nvGrpSpPr>
+        <p:cNvPr id="173" name="Shape 173"/>
+        <p:cNvGrpSpPr/>
+        <p:nvPr/>
+      </p:nvGrpSpPr>
+      <p:grpSpPr>
+        <a:xfrm>
+          <a:off x="0" y="0"/>
+          <a:ext cx="0" cy="0"/>
+          <a:chOff x="0" y="0"/>
+          <a:chExt cx="0" cy="0"/>
+        </a:xfrm>
+      </p:grpSpPr>
+      <p:pic>
+        <p:nvPicPr>
+          <p:cNvPr id="174" name="Google Shape;174;p28"/>
+          <p:cNvPicPr preferRelativeResize="0"/>
+          <p:nvPr/>
+        </p:nvPicPr>
+        <p:blipFill rotWithShape="1">
+          <a:blip r:embed="rId3">
+            <a:alphaModFix/>
+          </a:blip>
+          <a:srcRect b="0" l="0" r="0" t="4798"/>
+          <a:stretch/>
+        </p:blipFill>
+        <p:spPr>
+          <a:xfrm>
+            <a:off x="897575" y="943950"/>
+            <a:ext cx="6951475" cy="4077076"/>
+          </a:xfrm>
+          <a:prstGeom prst="rect">
+            <a:avLst/>
+          </a:prstGeom>
+          <a:noFill/>
+          <a:ln>
+            <a:noFill/>
+          </a:ln>
+        </p:spPr>
+      </p:pic>
+      <p:sp>
+        <p:nvSpPr>
+          <p:cNvPr id="175" name="Google Shape;175;p28"/>
+          <p:cNvSpPr txBox="1"/>
+          <p:nvPr/>
+        </p:nvSpPr>
+        <p:spPr>
+          <a:xfrm>
+            <a:off x="2426250" y="279800"/>
+            <a:ext cx="4291500" cy="523200"/>
+          </a:xfrm>
+          <a:prstGeom prst="rect">
+            <a:avLst/>
+          </a:prstGeom>
+          <a:noFill/>
+          <a:ln>
+            <a:noFill/>
+          </a:ln>
+        </p:spPr>
+        <p:txBody>
+          <a:bodyPr anchorCtr="0" anchor="t" bIns="91425" lIns="91425" spcFirstLastPara="1" rIns="91425" wrap="square" tIns="91425">
+            <a:spAutoFit/>
+          </a:bodyPr>
+          <a:lstStyle/>
+          <a:p>
+            <a:pPr indent="0" lvl="0" marL="0" rtl="0" algn="ctr">
+              <a:lnSpc>
+                <a:spcPct val="115000"/>
+              </a:lnSpc>
+              <a:spcBef>
+                <a:spcPts val="0"/>
+              </a:spcBef>
+              <a:spcAft>
+                <a:spcPts val="0"/>
+              </a:spcAft>
+              <a:buClr>
+                <a:schemeClr val="dk1"/>
+              </a:buClr>
+              <a:buSzPts val="1100"/>
+              <a:buFont typeface="Arial"/>
+              <a:buNone/>
+            </a:pPr>
+            <a:r>
+              <a:rPr b="1" lang="en" sz="2200">
+                <a:solidFill>
+                  <a:schemeClr val="dk1"/>
+                </a:solidFill>
+              </a:rPr>
+              <a:t>precision recall curve</a:t>
+            </a:r>
+            <a:endParaRPr b="1" sz="2300"/>
           </a:p>
         </p:txBody>
       </p:sp>
@@ -9421,7 +9152,7 @@
   <p:cSld>
     <p:spTree>
       <p:nvGrpSpPr>
-        <p:cNvPr id="180" name="Shape 180"/>
+        <p:cNvPr id="179" name="Shape 179"/>
         <p:cNvGrpSpPr/>
         <p:nvPr/>
       </p:nvGrpSpPr>
@@ -9435,7 +9166,7 @@
       </p:grpSpPr>
       <p:sp>
         <p:nvSpPr>
-          <p:cNvPr id="181" name="Google Shape;181;p29"/>
+          <p:cNvPr id="180" name="Google Shape;180;p29"/>
           <p:cNvSpPr txBox="1"/>
           <p:nvPr>
             <p:ph type="title"/>
@@ -9443,7 +9174,7 @@
         </p:nvSpPr>
         <p:spPr>
           <a:xfrm>
-            <a:off x="311700" y="454375"/>
+            <a:off x="311700" y="445025"/>
             <a:ext cx="8520600" cy="572700"/>
           </a:xfrm>
           <a:prstGeom prst="rect">
@@ -9474,7 +9205,7 @@
                   <a:srgbClr val="FFFFFF"/>
                 </a:solidFill>
               </a:rPr>
-              <a:t>Model Comparison:</a:t>
+              <a:t>Metrics For Models:</a:t>
             </a:r>
             <a:endParaRPr>
               <a:solidFill>
@@ -9482,328 +9213,11 @@
               </a:solidFill>
             </a:endParaRPr>
           </a:p>
-          <a:p>
-            <a:pPr indent="0" lvl="0" marL="0" rtl="0" algn="l">
-              <a:spcBef>
-                <a:spcPts val="0"/>
-              </a:spcBef>
-              <a:spcAft>
-                <a:spcPts val="0"/>
-              </a:spcAft>
-              <a:buNone/>
-            </a:pPr>
-            <a:r>
-              <a:t/>
-            </a:r>
-            <a:endParaRPr/>
-          </a:p>
         </p:txBody>
       </p:sp>
       <p:sp>
         <p:nvSpPr>
-          <p:cNvPr id="182" name="Google Shape;182;p29"/>
-          <p:cNvSpPr txBox="1"/>
-          <p:nvPr>
-            <p:ph idx="1" type="body"/>
-          </p:nvPr>
-        </p:nvSpPr>
-        <p:spPr>
-          <a:xfrm>
-            <a:off x="311700" y="1152475"/>
-            <a:ext cx="8520600" cy="3416400"/>
-          </a:xfrm>
-          <a:prstGeom prst="rect">
-            <a:avLst/>
-          </a:prstGeom>
-        </p:spPr>
-        <p:txBody>
-          <a:bodyPr anchorCtr="0" anchor="t" bIns="91425" lIns="91425" spcFirstLastPara="1" rIns="91425" wrap="square" tIns="91425">
-            <a:normAutofit/>
-          </a:bodyPr>
-          <a:lstStyle/>
-          <a:p>
-            <a:pPr indent="0" lvl="0" marL="0" rtl="0" algn="l">
-              <a:spcBef>
-                <a:spcPts val="0"/>
-              </a:spcBef>
-              <a:spcAft>
-                <a:spcPts val="1200"/>
-              </a:spcAft>
-              <a:buNone/>
-            </a:pPr>
-            <a:r>
-              <a:t/>
-            </a:r>
-            <a:endParaRPr/>
-          </a:p>
-        </p:txBody>
-      </p:sp>
-      <p:pic>
-        <p:nvPicPr>
-          <p:cNvPr id="183" name="Google Shape;183;p29"/>
-          <p:cNvPicPr preferRelativeResize="0"/>
-          <p:nvPr/>
-        </p:nvPicPr>
-        <p:blipFill rotWithShape="1">
-          <a:blip r:embed="rId3">
-            <a:alphaModFix/>
-          </a:blip>
-          <a:srcRect b="0" l="0" r="0" t="4168"/>
-          <a:stretch/>
-        </p:blipFill>
-        <p:spPr>
-          <a:xfrm>
-            <a:off x="1293425" y="1268725"/>
-            <a:ext cx="5410200" cy="3771900"/>
-          </a:xfrm>
-          <a:prstGeom prst="rect">
-            <a:avLst/>
-          </a:prstGeom>
-          <a:noFill/>
-          <a:ln>
-            <a:noFill/>
-          </a:ln>
-        </p:spPr>
-      </p:pic>
-      <p:sp>
-        <p:nvSpPr>
-          <p:cNvPr id="184" name="Google Shape;184;p29"/>
-          <p:cNvSpPr txBox="1"/>
-          <p:nvPr/>
-        </p:nvSpPr>
-        <p:spPr>
-          <a:xfrm>
-            <a:off x="2010175" y="934975"/>
-            <a:ext cx="4431900" cy="446400"/>
-          </a:xfrm>
-          <a:prstGeom prst="rect">
-            <a:avLst/>
-          </a:prstGeom>
-          <a:noFill/>
-          <a:ln>
-            <a:noFill/>
-          </a:ln>
-        </p:spPr>
-        <p:txBody>
-          <a:bodyPr anchorCtr="0" anchor="t" bIns="91425" lIns="91425" spcFirstLastPara="1" rIns="91425" wrap="square" tIns="91425">
-            <a:spAutoFit/>
-          </a:bodyPr>
-          <a:lstStyle/>
-          <a:p>
-            <a:pPr indent="0" lvl="0" marL="0" rtl="0" algn="ctr">
-              <a:lnSpc>
-                <a:spcPct val="115000"/>
-              </a:lnSpc>
-              <a:spcBef>
-                <a:spcPts val="0"/>
-              </a:spcBef>
-              <a:spcAft>
-                <a:spcPts val="0"/>
-              </a:spcAft>
-              <a:buClr>
-                <a:schemeClr val="dk1"/>
-              </a:buClr>
-              <a:buSzPts val="1100"/>
-              <a:buFont typeface="Arial"/>
-              <a:buNone/>
-            </a:pPr>
-            <a:r>
-              <a:rPr b="1" lang="en" sz="1700">
-                <a:solidFill>
-                  <a:schemeClr val="dk1"/>
-                </a:solidFill>
-              </a:rPr>
-              <a:t>Receiver Operator Characteristic curve </a:t>
-            </a:r>
-            <a:endParaRPr b="1" sz="1800"/>
-          </a:p>
-        </p:txBody>
-      </p:sp>
-    </p:spTree>
-  </p:cSld>
-  <p:clrMapOvr>
-    <a:masterClrMapping/>
-  </p:clrMapOvr>
-</p:sld>
-</file>
-
-<file path=ppt/slides/slide18.xml><?xml version="1.0" encoding="utf-8"?>
-<p:sld xmlns:a="http://schemas.openxmlformats.org/drawingml/2006/main" xmlns:r="http://schemas.openxmlformats.org/officeDocument/2006/relationships" xmlns:mc="http://schemas.openxmlformats.org/markup-compatibility/2006" xmlns:mv="urn:schemas-microsoft-com:mac:vml" xmlns:p="http://schemas.openxmlformats.org/presentationml/2006/main" xmlns:c="http://schemas.openxmlformats.org/drawingml/2006/chart" xmlns:dgm="http://schemas.openxmlformats.org/drawingml/2006/diagram" xmlns:o="urn:schemas-microsoft-com:office:office" xmlns:v="urn:schemas-microsoft-com:vml" xmlns:pvml="urn:schemas-microsoft-com:office:powerpoint" xmlns:com="http://schemas.openxmlformats.org/drawingml/2006/compatibility" xmlns:p14="http://schemas.microsoft.com/office/powerpoint/2010/main" xmlns:p15="http://schemas.microsoft.com/office/powerpoint/2012/main" xmlns:ahyp="http://schemas.microsoft.com/office/drawing/2018/hyperlinkcolor">
-  <p:cSld>
-    <p:spTree>
-      <p:nvGrpSpPr>
-        <p:cNvPr id="188" name="Shape 188"/>
-        <p:cNvGrpSpPr/>
-        <p:nvPr/>
-      </p:nvGrpSpPr>
-      <p:grpSpPr>
-        <a:xfrm>
-          <a:off x="0" y="0"/>
-          <a:ext cx="0" cy="0"/>
-          <a:chOff x="0" y="0"/>
-          <a:chExt cx="0" cy="0"/>
-        </a:xfrm>
-      </p:grpSpPr>
-      <p:pic>
-        <p:nvPicPr>
-          <p:cNvPr id="189" name="Google Shape;189;p30"/>
-          <p:cNvPicPr preferRelativeResize="0"/>
-          <p:nvPr/>
-        </p:nvPicPr>
-        <p:blipFill rotWithShape="1">
-          <a:blip r:embed="rId3">
-            <a:alphaModFix/>
-          </a:blip>
-          <a:srcRect b="0" l="0" r="0" t="4798"/>
-          <a:stretch/>
-        </p:blipFill>
-        <p:spPr>
-          <a:xfrm>
-            <a:off x="897575" y="943950"/>
-            <a:ext cx="6951475" cy="4077076"/>
-          </a:xfrm>
-          <a:prstGeom prst="rect">
-            <a:avLst/>
-          </a:prstGeom>
-          <a:noFill/>
-          <a:ln>
-            <a:noFill/>
-          </a:ln>
-        </p:spPr>
-      </p:pic>
-      <p:sp>
-        <p:nvSpPr>
-          <p:cNvPr id="190" name="Google Shape;190;p30"/>
-          <p:cNvSpPr txBox="1"/>
-          <p:nvPr/>
-        </p:nvSpPr>
-        <p:spPr>
-          <a:xfrm>
-            <a:off x="2426250" y="279800"/>
-            <a:ext cx="4291500" cy="523200"/>
-          </a:xfrm>
-          <a:prstGeom prst="rect">
-            <a:avLst/>
-          </a:prstGeom>
-          <a:noFill/>
-          <a:ln>
-            <a:noFill/>
-          </a:ln>
-        </p:spPr>
-        <p:txBody>
-          <a:bodyPr anchorCtr="0" anchor="t" bIns="91425" lIns="91425" spcFirstLastPara="1" rIns="91425" wrap="square" tIns="91425">
-            <a:spAutoFit/>
-          </a:bodyPr>
-          <a:lstStyle/>
-          <a:p>
-            <a:pPr indent="0" lvl="0" marL="0" rtl="0" algn="ctr">
-              <a:lnSpc>
-                <a:spcPct val="115000"/>
-              </a:lnSpc>
-              <a:spcBef>
-                <a:spcPts val="0"/>
-              </a:spcBef>
-              <a:spcAft>
-                <a:spcPts val="0"/>
-              </a:spcAft>
-              <a:buClr>
-                <a:schemeClr val="dk1"/>
-              </a:buClr>
-              <a:buSzPts val="1100"/>
-              <a:buFont typeface="Arial"/>
-              <a:buNone/>
-            </a:pPr>
-            <a:r>
-              <a:rPr b="1" lang="en" sz="2200">
-                <a:solidFill>
-                  <a:schemeClr val="dk1"/>
-                </a:solidFill>
-              </a:rPr>
-              <a:t>precision recall curve</a:t>
-            </a:r>
-            <a:endParaRPr b="1" sz="2300"/>
-          </a:p>
-        </p:txBody>
-      </p:sp>
-    </p:spTree>
-  </p:cSld>
-  <p:clrMapOvr>
-    <a:masterClrMapping/>
-  </p:clrMapOvr>
-</p:sld>
-</file>
-
-<file path=ppt/slides/slide19.xml><?xml version="1.0" encoding="utf-8"?>
-<p:sld xmlns:a="http://schemas.openxmlformats.org/drawingml/2006/main" xmlns:r="http://schemas.openxmlformats.org/officeDocument/2006/relationships" xmlns:mc="http://schemas.openxmlformats.org/markup-compatibility/2006" xmlns:mv="urn:schemas-microsoft-com:mac:vml" xmlns:p="http://schemas.openxmlformats.org/presentationml/2006/main" xmlns:c="http://schemas.openxmlformats.org/drawingml/2006/chart" xmlns:dgm="http://schemas.openxmlformats.org/drawingml/2006/diagram" xmlns:o="urn:schemas-microsoft-com:office:office" xmlns:v="urn:schemas-microsoft-com:vml" xmlns:pvml="urn:schemas-microsoft-com:office:powerpoint" xmlns:com="http://schemas.openxmlformats.org/drawingml/2006/compatibility" xmlns:p14="http://schemas.microsoft.com/office/powerpoint/2010/main" xmlns:p15="http://schemas.microsoft.com/office/powerpoint/2012/main" xmlns:ahyp="http://schemas.microsoft.com/office/drawing/2018/hyperlinkcolor">
-  <p:cSld>
-    <p:spTree>
-      <p:nvGrpSpPr>
-        <p:cNvPr id="194" name="Shape 194"/>
-        <p:cNvGrpSpPr/>
-        <p:nvPr/>
-      </p:nvGrpSpPr>
-      <p:grpSpPr>
-        <a:xfrm>
-          <a:off x="0" y="0"/>
-          <a:ext cx="0" cy="0"/>
-          <a:chOff x="0" y="0"/>
-          <a:chExt cx="0" cy="0"/>
-        </a:xfrm>
-      </p:grpSpPr>
-      <p:sp>
-        <p:nvSpPr>
-          <p:cNvPr id="195" name="Google Shape;195;p31"/>
-          <p:cNvSpPr txBox="1"/>
-          <p:nvPr>
-            <p:ph type="title"/>
-          </p:nvPr>
-        </p:nvSpPr>
-        <p:spPr>
-          <a:xfrm>
-            <a:off x="311700" y="445025"/>
-            <a:ext cx="8520600" cy="572700"/>
-          </a:xfrm>
-          <a:prstGeom prst="rect">
-            <a:avLst/>
-          </a:prstGeom>
-          <a:solidFill>
-            <a:srgbClr val="073763"/>
-          </a:solidFill>
-        </p:spPr>
-        <p:txBody>
-          <a:bodyPr anchorCtr="0" anchor="t" bIns="91425" lIns="91425" spcFirstLastPara="1" rIns="91425" wrap="square" tIns="91425">
-            <a:normAutofit fontScale="90000"/>
-          </a:bodyPr>
-          <a:lstStyle/>
-          <a:p>
-            <a:pPr indent="0" lvl="0" marL="0" rtl="0" algn="l">
-              <a:spcBef>
-                <a:spcPts val="0"/>
-              </a:spcBef>
-              <a:spcAft>
-                <a:spcPts val="0"/>
-              </a:spcAft>
-              <a:buNone/>
-            </a:pPr>
-            <a:r>
-              <a:rPr lang="en">
-                <a:solidFill>
-                  <a:srgbClr val="FFFFFF"/>
-                </a:solidFill>
-              </a:rPr>
-              <a:t>Metrics For Models:</a:t>
-            </a:r>
-            <a:endParaRPr>
-              <a:solidFill>
-                <a:srgbClr val="FFFFFF"/>
-              </a:solidFill>
-            </a:endParaRPr>
-          </a:p>
-        </p:txBody>
-      </p:sp>
-      <p:sp>
-        <p:nvSpPr>
-          <p:cNvPr id="196" name="Google Shape;196;p31"/>
+          <p:cNvPr id="181" name="Google Shape;181;p29"/>
           <p:cNvSpPr txBox="1"/>
           <p:nvPr>
             <p:ph idx="1" type="body"/>
@@ -10180,7 +9594,7 @@
       </p:sp>
       <p:sp>
         <p:nvSpPr>
-          <p:cNvPr id="197" name="Google Shape;197;p31"/>
+          <p:cNvPr id="182" name="Google Shape;182;p29"/>
           <p:cNvSpPr/>
           <p:nvPr/>
         </p:nvSpPr>
@@ -10420,7 +9834,7 @@
       </p:sp>
       <p:sp>
         <p:nvSpPr>
-          <p:cNvPr id="198" name="Google Shape;198;p31"/>
+          <p:cNvPr id="183" name="Google Shape;183;p29"/>
           <p:cNvSpPr/>
           <p:nvPr/>
         </p:nvSpPr>
@@ -10660,7 +10074,7 @@
       </p:sp>
       <p:sp>
         <p:nvSpPr>
-          <p:cNvPr id="199" name="Google Shape;199;p31"/>
+          <p:cNvPr id="184" name="Google Shape;184;p29"/>
           <p:cNvSpPr/>
           <p:nvPr/>
         </p:nvSpPr>
@@ -10900,7 +10314,7 @@
       </p:sp>
       <p:sp>
         <p:nvSpPr>
-          <p:cNvPr id="200" name="Google Shape;200;p31"/>
+          <p:cNvPr id="185" name="Google Shape;185;p29"/>
           <p:cNvSpPr txBox="1"/>
           <p:nvPr/>
         </p:nvSpPr>
@@ -10952,7 +10366,7 @@
       </p:sp>
       <p:sp>
         <p:nvSpPr>
-          <p:cNvPr id="201" name="Google Shape;201;p31"/>
+          <p:cNvPr id="186" name="Google Shape;186;p29"/>
           <p:cNvSpPr txBox="1"/>
           <p:nvPr/>
         </p:nvSpPr>
@@ -11004,7 +10418,7 @@
       </p:sp>
       <p:cxnSp>
         <p:nvCxnSpPr>
-          <p:cNvPr id="202" name="Google Shape;202;p31"/>
+          <p:cNvPr id="187" name="Google Shape;187;p29"/>
           <p:cNvCxnSpPr/>
           <p:nvPr/>
         </p:nvCxnSpPr>
@@ -11030,7 +10444,7 @@
       </p:cxnSp>
       <p:sp>
         <p:nvSpPr>
-          <p:cNvPr id="203" name="Google Shape;203;p31"/>
+          <p:cNvPr id="188" name="Google Shape;188;p29"/>
           <p:cNvSpPr txBox="1"/>
           <p:nvPr/>
         </p:nvSpPr>
@@ -11087,7 +10501,7 @@
       </p:sp>
       <p:cxnSp>
         <p:nvCxnSpPr>
-          <p:cNvPr id="204" name="Google Shape;204;p31"/>
+          <p:cNvPr id="189" name="Google Shape;189;p29"/>
           <p:cNvCxnSpPr/>
           <p:nvPr/>
         </p:nvCxnSpPr>
@@ -11113,7 +10527,7 @@
       </p:cxnSp>
       <p:sp>
         <p:nvSpPr>
-          <p:cNvPr id="205" name="Google Shape;205;p31"/>
+          <p:cNvPr id="190" name="Google Shape;190;p29"/>
           <p:cNvSpPr/>
           <p:nvPr/>
         </p:nvSpPr>
@@ -11160,7 +10574,7 @@
       </p:sp>
       <p:sp>
         <p:nvSpPr>
-          <p:cNvPr id="206" name="Google Shape;206;p31"/>
+          <p:cNvPr id="191" name="Google Shape;191;p29"/>
           <p:cNvSpPr/>
           <p:nvPr/>
         </p:nvSpPr>
@@ -11212,7 +10626,7 @@
       </p:sp>
       <p:sp>
         <p:nvSpPr>
-          <p:cNvPr id="207" name="Google Shape;207;p31"/>
+          <p:cNvPr id="192" name="Google Shape;192;p29"/>
           <p:cNvSpPr txBox="1"/>
           <p:nvPr/>
         </p:nvSpPr>
@@ -11270,7 +10684,7 @@
       </p:sp>
       <p:sp>
         <p:nvSpPr>
-          <p:cNvPr id="208" name="Google Shape;208;p31"/>
+          <p:cNvPr id="193" name="Google Shape;193;p29"/>
           <p:cNvSpPr txBox="1"/>
           <p:nvPr/>
         </p:nvSpPr>
@@ -11317,7 +10731,7 @@
       </p:sp>
       <p:sp>
         <p:nvSpPr>
-          <p:cNvPr id="209" name="Google Shape;209;p31"/>
+          <p:cNvPr id="194" name="Google Shape;194;p29"/>
           <p:cNvSpPr/>
           <p:nvPr/>
         </p:nvSpPr>
@@ -11369,7 +10783,7 @@
       </p:sp>
       <p:sp>
         <p:nvSpPr>
-          <p:cNvPr id="210" name="Google Shape;210;p31"/>
+          <p:cNvPr id="195" name="Google Shape;195;p29"/>
           <p:cNvSpPr txBox="1"/>
           <p:nvPr/>
         </p:nvSpPr>
@@ -11416,6 +10830,229 @@
             <a:endParaRPr>
               <a:solidFill>
                 <a:srgbClr val="E69138"/>
+              </a:solidFill>
+              <a:latin typeface="Alfa Slab One"/>
+              <a:ea typeface="Alfa Slab One"/>
+              <a:cs typeface="Alfa Slab One"/>
+              <a:sym typeface="Alfa Slab One"/>
+            </a:endParaRPr>
+          </a:p>
+        </p:txBody>
+      </p:sp>
+    </p:spTree>
+  </p:cSld>
+  <p:clrMapOvr>
+    <a:masterClrMapping/>
+  </p:clrMapOvr>
+</p:sld>
+</file>
+
+<file path=ppt/slides/slide18.xml><?xml version="1.0" encoding="utf-8"?>
+<p:sld xmlns:a="http://schemas.openxmlformats.org/drawingml/2006/main" xmlns:r="http://schemas.openxmlformats.org/officeDocument/2006/relationships" xmlns:mc="http://schemas.openxmlformats.org/markup-compatibility/2006" xmlns:mv="urn:schemas-microsoft-com:mac:vml" xmlns:p="http://schemas.openxmlformats.org/presentationml/2006/main" xmlns:c="http://schemas.openxmlformats.org/drawingml/2006/chart" xmlns:dgm="http://schemas.openxmlformats.org/drawingml/2006/diagram" xmlns:o="urn:schemas-microsoft-com:office:office" xmlns:v="urn:schemas-microsoft-com:vml" xmlns:pvml="urn:schemas-microsoft-com:office:powerpoint" xmlns:com="http://schemas.openxmlformats.org/drawingml/2006/compatibility" xmlns:p14="http://schemas.microsoft.com/office/powerpoint/2010/main" xmlns:p15="http://schemas.microsoft.com/office/powerpoint/2012/main" xmlns:ahyp="http://schemas.microsoft.com/office/drawing/2018/hyperlinkcolor">
+  <p:cSld>
+    <p:spTree>
+      <p:nvGrpSpPr>
+        <p:cNvPr id="199" name="Shape 199"/>
+        <p:cNvGrpSpPr/>
+        <p:nvPr/>
+      </p:nvGrpSpPr>
+      <p:grpSpPr>
+        <a:xfrm>
+          <a:off x="0" y="0"/>
+          <a:ext cx="0" cy="0"/>
+          <a:chOff x="0" y="0"/>
+          <a:chExt cx="0" cy="0"/>
+        </a:xfrm>
+      </p:grpSpPr>
+      <p:sp>
+        <p:nvSpPr>
+          <p:cNvPr id="200" name="Google Shape;200;p30"/>
+          <p:cNvSpPr txBox="1"/>
+          <p:nvPr>
+            <p:ph type="title"/>
+          </p:nvPr>
+        </p:nvSpPr>
+        <p:spPr>
+          <a:xfrm>
+            <a:off x="311700" y="445025"/>
+            <a:ext cx="8520600" cy="572700"/>
+          </a:xfrm>
+          <a:prstGeom prst="rect">
+            <a:avLst/>
+          </a:prstGeom>
+          <a:solidFill>
+            <a:srgbClr val="073763"/>
+          </a:solidFill>
+        </p:spPr>
+        <p:txBody>
+          <a:bodyPr anchorCtr="0" anchor="t" bIns="91425" lIns="91425" spcFirstLastPara="1" rIns="91425" wrap="square" tIns="91425">
+            <a:normAutofit fontScale="90000"/>
+          </a:bodyPr>
+          <a:lstStyle/>
+          <a:p>
+            <a:pPr indent="0" lvl="0" marL="0" rtl="0" algn="l">
+              <a:spcBef>
+                <a:spcPts val="0"/>
+              </a:spcBef>
+              <a:spcAft>
+                <a:spcPts val="0"/>
+              </a:spcAft>
+              <a:buNone/>
+            </a:pPr>
+            <a:r>
+              <a:rPr lang="en">
+                <a:solidFill>
+                  <a:srgbClr val="FFFFFF"/>
+                </a:solidFill>
+              </a:rPr>
+              <a:t>Ideas to Improve the model:</a:t>
+            </a:r>
+            <a:endParaRPr>
+              <a:solidFill>
+                <a:srgbClr val="FFFFFF"/>
+              </a:solidFill>
+            </a:endParaRPr>
+          </a:p>
+        </p:txBody>
+      </p:sp>
+      <p:sp>
+        <p:nvSpPr>
+          <p:cNvPr id="201" name="Google Shape;201;p30"/>
+          <p:cNvSpPr txBox="1"/>
+          <p:nvPr>
+            <p:ph idx="1" type="body"/>
+          </p:nvPr>
+        </p:nvSpPr>
+        <p:spPr>
+          <a:xfrm>
+            <a:off x="311700" y="1017725"/>
+            <a:ext cx="8520600" cy="3551100"/>
+          </a:xfrm>
+          <a:prstGeom prst="rect">
+            <a:avLst/>
+          </a:prstGeom>
+          <a:solidFill>
+            <a:srgbClr val="666666"/>
+          </a:solidFill>
+        </p:spPr>
+        <p:txBody>
+          <a:bodyPr anchorCtr="0" anchor="t" bIns="91425" lIns="91425" spcFirstLastPara="1" rIns="91425" wrap="square" tIns="91425">
+            <a:normAutofit/>
+          </a:bodyPr>
+          <a:lstStyle/>
+          <a:p>
+            <a:pPr indent="0" lvl="0" marL="457200" rtl="0" algn="l">
+              <a:spcBef>
+                <a:spcPts val="0"/>
+              </a:spcBef>
+              <a:spcAft>
+                <a:spcPts val="0"/>
+              </a:spcAft>
+              <a:buNone/>
+            </a:pPr>
+            <a:r>
+              <a:t/>
+            </a:r>
+            <a:endParaRPr sz="1600">
+              <a:solidFill>
+                <a:srgbClr val="FFFFFF"/>
+              </a:solidFill>
+              <a:latin typeface="Alfa Slab One"/>
+              <a:ea typeface="Alfa Slab One"/>
+              <a:cs typeface="Alfa Slab One"/>
+              <a:sym typeface="Alfa Slab One"/>
+            </a:endParaRPr>
+          </a:p>
+          <a:p>
+            <a:pPr indent="-349250" lvl="0" marL="457200" rtl="0" algn="l">
+              <a:spcBef>
+                <a:spcPts val="0"/>
+              </a:spcBef>
+              <a:spcAft>
+                <a:spcPts val="0"/>
+              </a:spcAft>
+              <a:buClr>
+                <a:srgbClr val="FFFFFF"/>
+              </a:buClr>
+              <a:buSzPts val="1900"/>
+              <a:buFont typeface="Alfa Slab One"/>
+              <a:buChar char="●"/>
+            </a:pPr>
+            <a:r>
+              <a:rPr lang="en" sz="1600">
+                <a:solidFill>
+                  <a:srgbClr val="FFFFFF"/>
+                </a:solidFill>
+                <a:latin typeface="Alfa Slab One"/>
+                <a:ea typeface="Alfa Slab One"/>
+                <a:cs typeface="Alfa Slab One"/>
+                <a:sym typeface="Alfa Slab One"/>
+              </a:rPr>
+              <a:t>Add blood and insulin tests to the dataset and test it on a larger number of patients to improve its efficacy.</a:t>
+            </a:r>
+            <a:endParaRPr sz="1600">
+              <a:solidFill>
+                <a:srgbClr val="FFFFFF"/>
+              </a:solidFill>
+              <a:latin typeface="Alfa Slab One"/>
+              <a:ea typeface="Alfa Slab One"/>
+              <a:cs typeface="Alfa Slab One"/>
+              <a:sym typeface="Alfa Slab One"/>
+            </a:endParaRPr>
+          </a:p>
+          <a:p>
+            <a:pPr indent="0" lvl="0" marL="457200" rtl="0" algn="l">
+              <a:spcBef>
+                <a:spcPts val="0"/>
+              </a:spcBef>
+              <a:spcAft>
+                <a:spcPts val="0"/>
+              </a:spcAft>
+              <a:buNone/>
+            </a:pPr>
+            <a:r>
+              <a:t/>
+            </a:r>
+            <a:endParaRPr sz="1600">
+              <a:solidFill>
+                <a:srgbClr val="FFFFFF"/>
+              </a:solidFill>
+              <a:latin typeface="Alfa Slab One"/>
+              <a:ea typeface="Alfa Slab One"/>
+              <a:cs typeface="Alfa Slab One"/>
+              <a:sym typeface="Alfa Slab One"/>
+            </a:endParaRPr>
+          </a:p>
+          <a:p>
+            <a:pPr indent="-336550" lvl="0" marL="457200" rtl="0" algn="l">
+              <a:spcBef>
+                <a:spcPts val="0"/>
+              </a:spcBef>
+              <a:spcAft>
+                <a:spcPts val="0"/>
+              </a:spcAft>
+              <a:buClr>
+                <a:srgbClr val="FFFFFF"/>
+              </a:buClr>
+              <a:buSzPts val="1700"/>
+              <a:buFont typeface="Alfa Slab One"/>
+              <a:buChar char="●"/>
+            </a:pPr>
+            <a:r>
+              <a:rPr lang="en" sz="1600">
+                <a:solidFill>
+                  <a:srgbClr val="FFFFFF"/>
+                </a:solidFill>
+                <a:latin typeface="Alfa Slab One"/>
+                <a:ea typeface="Alfa Slab One"/>
+                <a:cs typeface="Alfa Slab One"/>
+                <a:sym typeface="Alfa Slab One"/>
+              </a:rPr>
+              <a:t>When the models were run on different training and test sets, they gave slightly different results with Kneighbors classifier sometimes outperforming Random forest. So run these two models a 100 times on 100 different train and test sets and then perform a t_test to see if there is a significant difference between the mean of the metrics. This will give a more accurate result</a:t>
+            </a:r>
+            <a:endParaRPr sz="1700">
+              <a:solidFill>
+                <a:srgbClr val="FFFFFF"/>
               </a:solidFill>
               <a:latin typeface="Alfa Slab One"/>
               <a:ea typeface="Alfa Slab One"/>
@@ -11791,229 +11428,6 @@
 </p:sld>
 </file>
 
-<file path=ppt/slides/slide20.xml><?xml version="1.0" encoding="utf-8"?>
-<p:sld xmlns:a="http://schemas.openxmlformats.org/drawingml/2006/main" xmlns:r="http://schemas.openxmlformats.org/officeDocument/2006/relationships" xmlns:mc="http://schemas.openxmlformats.org/markup-compatibility/2006" xmlns:mv="urn:schemas-microsoft-com:mac:vml" xmlns:p="http://schemas.openxmlformats.org/presentationml/2006/main" xmlns:c="http://schemas.openxmlformats.org/drawingml/2006/chart" xmlns:dgm="http://schemas.openxmlformats.org/drawingml/2006/diagram" xmlns:o="urn:schemas-microsoft-com:office:office" xmlns:v="urn:schemas-microsoft-com:vml" xmlns:pvml="urn:schemas-microsoft-com:office:powerpoint" xmlns:com="http://schemas.openxmlformats.org/drawingml/2006/compatibility" xmlns:p14="http://schemas.microsoft.com/office/powerpoint/2010/main" xmlns:p15="http://schemas.microsoft.com/office/powerpoint/2012/main" xmlns:ahyp="http://schemas.microsoft.com/office/drawing/2018/hyperlinkcolor">
-  <p:cSld>
-    <p:spTree>
-      <p:nvGrpSpPr>
-        <p:cNvPr id="214" name="Shape 214"/>
-        <p:cNvGrpSpPr/>
-        <p:nvPr/>
-      </p:nvGrpSpPr>
-      <p:grpSpPr>
-        <a:xfrm>
-          <a:off x="0" y="0"/>
-          <a:ext cx="0" cy="0"/>
-          <a:chOff x="0" y="0"/>
-          <a:chExt cx="0" cy="0"/>
-        </a:xfrm>
-      </p:grpSpPr>
-      <p:sp>
-        <p:nvSpPr>
-          <p:cNvPr id="215" name="Google Shape;215;p32"/>
-          <p:cNvSpPr txBox="1"/>
-          <p:nvPr>
-            <p:ph type="title"/>
-          </p:nvPr>
-        </p:nvSpPr>
-        <p:spPr>
-          <a:xfrm>
-            <a:off x="311700" y="445025"/>
-            <a:ext cx="8520600" cy="572700"/>
-          </a:xfrm>
-          <a:prstGeom prst="rect">
-            <a:avLst/>
-          </a:prstGeom>
-          <a:solidFill>
-            <a:srgbClr val="073763"/>
-          </a:solidFill>
-        </p:spPr>
-        <p:txBody>
-          <a:bodyPr anchorCtr="0" anchor="t" bIns="91425" lIns="91425" spcFirstLastPara="1" rIns="91425" wrap="square" tIns="91425">
-            <a:normAutofit fontScale="90000"/>
-          </a:bodyPr>
-          <a:lstStyle/>
-          <a:p>
-            <a:pPr indent="0" lvl="0" marL="0" rtl="0" algn="l">
-              <a:spcBef>
-                <a:spcPts val="0"/>
-              </a:spcBef>
-              <a:spcAft>
-                <a:spcPts val="0"/>
-              </a:spcAft>
-              <a:buNone/>
-            </a:pPr>
-            <a:r>
-              <a:rPr lang="en">
-                <a:solidFill>
-                  <a:srgbClr val="FFFFFF"/>
-                </a:solidFill>
-              </a:rPr>
-              <a:t>Ideas to Improve the model:</a:t>
-            </a:r>
-            <a:endParaRPr>
-              <a:solidFill>
-                <a:srgbClr val="FFFFFF"/>
-              </a:solidFill>
-            </a:endParaRPr>
-          </a:p>
-        </p:txBody>
-      </p:sp>
-      <p:sp>
-        <p:nvSpPr>
-          <p:cNvPr id="216" name="Google Shape;216;p32"/>
-          <p:cNvSpPr txBox="1"/>
-          <p:nvPr>
-            <p:ph idx="1" type="body"/>
-          </p:nvPr>
-        </p:nvSpPr>
-        <p:spPr>
-          <a:xfrm>
-            <a:off x="311700" y="1017725"/>
-            <a:ext cx="8520600" cy="3551100"/>
-          </a:xfrm>
-          <a:prstGeom prst="rect">
-            <a:avLst/>
-          </a:prstGeom>
-          <a:solidFill>
-            <a:srgbClr val="666666"/>
-          </a:solidFill>
-        </p:spPr>
-        <p:txBody>
-          <a:bodyPr anchorCtr="0" anchor="t" bIns="91425" lIns="91425" spcFirstLastPara="1" rIns="91425" wrap="square" tIns="91425">
-            <a:normAutofit/>
-          </a:bodyPr>
-          <a:lstStyle/>
-          <a:p>
-            <a:pPr indent="0" lvl="0" marL="457200" rtl="0" algn="l">
-              <a:spcBef>
-                <a:spcPts val="0"/>
-              </a:spcBef>
-              <a:spcAft>
-                <a:spcPts val="0"/>
-              </a:spcAft>
-              <a:buNone/>
-            </a:pPr>
-            <a:r>
-              <a:t/>
-            </a:r>
-            <a:endParaRPr sz="1600">
-              <a:solidFill>
-                <a:srgbClr val="FFFFFF"/>
-              </a:solidFill>
-              <a:latin typeface="Alfa Slab One"/>
-              <a:ea typeface="Alfa Slab One"/>
-              <a:cs typeface="Alfa Slab One"/>
-              <a:sym typeface="Alfa Slab One"/>
-            </a:endParaRPr>
-          </a:p>
-          <a:p>
-            <a:pPr indent="-349250" lvl="0" marL="457200" rtl="0" algn="l">
-              <a:spcBef>
-                <a:spcPts val="0"/>
-              </a:spcBef>
-              <a:spcAft>
-                <a:spcPts val="0"/>
-              </a:spcAft>
-              <a:buClr>
-                <a:srgbClr val="FFFFFF"/>
-              </a:buClr>
-              <a:buSzPts val="1900"/>
-              <a:buFont typeface="Alfa Slab One"/>
-              <a:buChar char="●"/>
-            </a:pPr>
-            <a:r>
-              <a:rPr lang="en" sz="1600">
-                <a:solidFill>
-                  <a:srgbClr val="FFFFFF"/>
-                </a:solidFill>
-                <a:latin typeface="Alfa Slab One"/>
-                <a:ea typeface="Alfa Slab One"/>
-                <a:cs typeface="Alfa Slab One"/>
-                <a:sym typeface="Alfa Slab One"/>
-              </a:rPr>
-              <a:t>Add blood and insulin tests to the dataset and test it on a larger number of patients to improve its efficacy.</a:t>
-            </a:r>
-            <a:endParaRPr sz="1600">
-              <a:solidFill>
-                <a:srgbClr val="FFFFFF"/>
-              </a:solidFill>
-              <a:latin typeface="Alfa Slab One"/>
-              <a:ea typeface="Alfa Slab One"/>
-              <a:cs typeface="Alfa Slab One"/>
-              <a:sym typeface="Alfa Slab One"/>
-            </a:endParaRPr>
-          </a:p>
-          <a:p>
-            <a:pPr indent="0" lvl="0" marL="457200" rtl="0" algn="l">
-              <a:spcBef>
-                <a:spcPts val="0"/>
-              </a:spcBef>
-              <a:spcAft>
-                <a:spcPts val="0"/>
-              </a:spcAft>
-              <a:buNone/>
-            </a:pPr>
-            <a:r>
-              <a:t/>
-            </a:r>
-            <a:endParaRPr sz="1600">
-              <a:solidFill>
-                <a:srgbClr val="FFFFFF"/>
-              </a:solidFill>
-              <a:latin typeface="Alfa Slab One"/>
-              <a:ea typeface="Alfa Slab One"/>
-              <a:cs typeface="Alfa Slab One"/>
-              <a:sym typeface="Alfa Slab One"/>
-            </a:endParaRPr>
-          </a:p>
-          <a:p>
-            <a:pPr indent="-336550" lvl="0" marL="457200" rtl="0" algn="l">
-              <a:spcBef>
-                <a:spcPts val="0"/>
-              </a:spcBef>
-              <a:spcAft>
-                <a:spcPts val="0"/>
-              </a:spcAft>
-              <a:buClr>
-                <a:srgbClr val="FFFFFF"/>
-              </a:buClr>
-              <a:buSzPts val="1700"/>
-              <a:buFont typeface="Alfa Slab One"/>
-              <a:buChar char="●"/>
-            </a:pPr>
-            <a:r>
-              <a:rPr lang="en" sz="1600">
-                <a:solidFill>
-                  <a:srgbClr val="FFFFFF"/>
-                </a:solidFill>
-                <a:latin typeface="Alfa Slab One"/>
-                <a:ea typeface="Alfa Slab One"/>
-                <a:cs typeface="Alfa Slab One"/>
-                <a:sym typeface="Alfa Slab One"/>
-              </a:rPr>
-              <a:t>When the models were run on different training and test sets, they gave slightly different results with Kneighbors classifier sometimes outperforming Random forest. So run these two models a 100 times on 100 different train and test sets and then perform a t_test to see if there is a significant difference between the mean of the metrics. This will give a more accurate result</a:t>
-            </a:r>
-            <a:endParaRPr sz="1700">
-              <a:solidFill>
-                <a:srgbClr val="FFFFFF"/>
-              </a:solidFill>
-              <a:latin typeface="Alfa Slab One"/>
-              <a:ea typeface="Alfa Slab One"/>
-              <a:cs typeface="Alfa Slab One"/>
-              <a:sym typeface="Alfa Slab One"/>
-            </a:endParaRPr>
-          </a:p>
-        </p:txBody>
-      </p:sp>
-    </p:spTree>
-  </p:cSld>
-  <p:clrMapOvr>
-    <a:masterClrMapping/>
-  </p:clrMapOvr>
-</p:sld>
-</file>
-
 <file path=ppt/slides/slide3.xml><?xml version="1.0" encoding="utf-8"?>
 <p:sld xmlns:a="http://schemas.openxmlformats.org/drawingml/2006/main" xmlns:r="http://schemas.openxmlformats.org/officeDocument/2006/relationships" xmlns:mc="http://schemas.openxmlformats.org/markup-compatibility/2006" xmlns:mv="urn:schemas-microsoft-com:mac:vml" xmlns:p="http://schemas.openxmlformats.org/presentationml/2006/main" xmlns:c="http://schemas.openxmlformats.org/drawingml/2006/chart" xmlns:dgm="http://schemas.openxmlformats.org/drawingml/2006/diagram" xmlns:o="urn:schemas-microsoft-com:office:office" xmlns:v="urn:schemas-microsoft-com:vml" xmlns:pvml="urn:schemas-microsoft-com:office:powerpoint" xmlns:com="http://schemas.openxmlformats.org/drawingml/2006/compatibility" xmlns:p14="http://schemas.microsoft.com/office/powerpoint/2010/main" xmlns:p15="http://schemas.microsoft.com/office/powerpoint/2012/main" xmlns:ahyp="http://schemas.microsoft.com/office/drawing/2018/hyperlinkcolor">
   <p:cSld>
@@ -12476,15 +11890,12 @@
         </p:nvSpPr>
         <p:spPr>
           <a:xfrm>
-            <a:off x="6124050" y="1000425"/>
-            <a:ext cx="2832600" cy="3038700"/>
+            <a:off x="311700" y="445025"/>
+            <a:ext cx="8520600" cy="572700"/>
           </a:xfrm>
           <a:prstGeom prst="rect">
             <a:avLst/>
           </a:prstGeom>
-          <a:solidFill>
-            <a:srgbClr val="134F5C"/>
-          </a:solidFill>
         </p:spPr>
         <p:txBody>
           <a:bodyPr anchorCtr="0" anchor="t" bIns="91425" lIns="91425" spcFirstLastPara="1" rIns="91425" wrap="square" tIns="91425">
@@ -12493,9 +11904,6 @@
           <a:lstStyle/>
           <a:p>
             <a:pPr indent="0" lvl="0" marL="0" rtl="0" algn="l">
-              <a:lnSpc>
-                <a:spcPct val="115000"/>
-              </a:lnSpc>
               <a:spcBef>
                 <a:spcPts val="0"/>
               </a:spcBef>
@@ -12506,250 +11914,29 @@
               <a:buNone/>
             </a:pPr>
             <a:r>
-              <a:rPr lang="en" sz="1850">
-                <a:solidFill>
-                  <a:srgbClr val="FFFFFF"/>
-                </a:solidFill>
-              </a:rPr>
-              <a:t>Build up of sugar in the bloodstream can cause:</a:t>
-            </a:r>
-            <a:endParaRPr sz="1850">
-              <a:solidFill>
-                <a:srgbClr val="FFFFFF"/>
-              </a:solidFill>
-            </a:endParaRPr>
-          </a:p>
-          <a:p>
-            <a:pPr indent="-346075" lvl="0" marL="457200" rtl="0" algn="l">
-              <a:lnSpc>
-                <a:spcPct val="115000"/>
-              </a:lnSpc>
-              <a:spcBef>
-                <a:spcPts val="0"/>
-              </a:spcBef>
-              <a:spcAft>
-                <a:spcPts val="0"/>
-              </a:spcAft>
-              <a:buClr>
-                <a:srgbClr val="FFFFFF"/>
-              </a:buClr>
-              <a:buSzPts val="1850"/>
-              <a:buChar char="●"/>
-            </a:pPr>
-            <a:r>
-              <a:rPr lang="en" sz="1850">
-                <a:solidFill>
-                  <a:srgbClr val="FFFFFF"/>
-                </a:solidFill>
-              </a:rPr>
-              <a:t>Heart disease</a:t>
-            </a:r>
-            <a:endParaRPr sz="1850">
-              <a:solidFill>
-                <a:srgbClr val="FFFFFF"/>
-              </a:solidFill>
-            </a:endParaRPr>
-          </a:p>
-          <a:p>
-            <a:pPr indent="-346075" lvl="0" marL="457200" rtl="0" algn="l">
-              <a:lnSpc>
-                <a:spcPct val="115000"/>
-              </a:lnSpc>
-              <a:spcBef>
-                <a:spcPts val="0"/>
-              </a:spcBef>
-              <a:spcAft>
-                <a:spcPts val="0"/>
-              </a:spcAft>
-              <a:buClr>
-                <a:srgbClr val="FFFFFF"/>
-              </a:buClr>
-              <a:buSzPts val="1850"/>
-              <a:buChar char="●"/>
-            </a:pPr>
-            <a:r>
-              <a:rPr lang="en" sz="1850">
-                <a:solidFill>
-                  <a:srgbClr val="FFFFFF"/>
-                </a:solidFill>
-              </a:rPr>
-              <a:t>Nerve damage</a:t>
-            </a:r>
-            <a:endParaRPr sz="1850">
-              <a:solidFill>
-                <a:srgbClr val="FFFFFF"/>
-              </a:solidFill>
-            </a:endParaRPr>
-          </a:p>
-          <a:p>
-            <a:pPr indent="-346075" lvl="0" marL="457200" rtl="0" algn="l">
-              <a:lnSpc>
-                <a:spcPct val="115000"/>
-              </a:lnSpc>
-              <a:spcBef>
-                <a:spcPts val="0"/>
-              </a:spcBef>
-              <a:spcAft>
-                <a:spcPts val="0"/>
-              </a:spcAft>
-              <a:buClr>
-                <a:srgbClr val="FFFFFF"/>
-              </a:buClr>
-              <a:buSzPts val="1850"/>
-              <a:buChar char="●"/>
-            </a:pPr>
-            <a:r>
-              <a:rPr lang="en" sz="1850">
-                <a:solidFill>
-                  <a:srgbClr val="FFFFFF"/>
-                </a:solidFill>
-              </a:rPr>
-              <a:t>Kidney disease</a:t>
-            </a:r>
-            <a:endParaRPr sz="1850">
-              <a:solidFill>
-                <a:srgbClr val="FFFFFF"/>
-              </a:solidFill>
-            </a:endParaRPr>
-          </a:p>
-          <a:p>
-            <a:pPr indent="-346075" lvl="0" marL="457200" rtl="0" algn="l">
-              <a:lnSpc>
-                <a:spcPct val="115000"/>
-              </a:lnSpc>
-              <a:spcBef>
-                <a:spcPts val="0"/>
-              </a:spcBef>
-              <a:spcAft>
-                <a:spcPts val="0"/>
-              </a:spcAft>
-              <a:buClr>
-                <a:srgbClr val="FFFFFF"/>
-              </a:buClr>
-              <a:buSzPts val="1850"/>
-              <a:buChar char="●"/>
-            </a:pPr>
-            <a:r>
-              <a:rPr lang="en" sz="1850">
-                <a:solidFill>
-                  <a:srgbClr val="FFFFFF"/>
-                </a:solidFill>
-              </a:rPr>
-              <a:t>Dementia</a:t>
-            </a:r>
-            <a:endParaRPr sz="1850">
-              <a:solidFill>
-                <a:srgbClr val="FFFFFF"/>
-              </a:solidFill>
-            </a:endParaRPr>
-          </a:p>
-          <a:p>
-            <a:pPr indent="-346075" lvl="0" marL="457200" rtl="0" algn="l">
-              <a:lnSpc>
-                <a:spcPct val="115000"/>
-              </a:lnSpc>
-              <a:spcBef>
-                <a:spcPts val="0"/>
-              </a:spcBef>
-              <a:spcAft>
-                <a:spcPts val="0"/>
-              </a:spcAft>
-              <a:buClr>
-                <a:srgbClr val="FFFFFF"/>
-              </a:buClr>
-              <a:buSzPts val="1850"/>
-              <a:buChar char="●"/>
-            </a:pPr>
-            <a:r>
-              <a:rPr lang="en" sz="1850">
-                <a:solidFill>
-                  <a:srgbClr val="FFFFFF"/>
-                </a:solidFill>
-              </a:rPr>
-              <a:t>eye problems</a:t>
-            </a:r>
-            <a:endParaRPr sz="1850">
-              <a:solidFill>
-                <a:srgbClr val="FFFFFF"/>
-              </a:solidFill>
-            </a:endParaRPr>
-          </a:p>
-          <a:p>
-            <a:pPr indent="-346075" lvl="0" marL="457200" rtl="0" algn="l">
-              <a:lnSpc>
-                <a:spcPct val="115000"/>
-              </a:lnSpc>
-              <a:spcBef>
-                <a:spcPts val="0"/>
-              </a:spcBef>
-              <a:spcAft>
-                <a:spcPts val="0"/>
-              </a:spcAft>
-              <a:buClr>
-                <a:srgbClr val="FFFFFF"/>
-              </a:buClr>
-              <a:buSzPts val="1850"/>
-              <a:buChar char="●"/>
-            </a:pPr>
-            <a:r>
-              <a:rPr lang="en" sz="1850">
-                <a:solidFill>
-                  <a:srgbClr val="FFFFFF"/>
-                </a:solidFill>
-              </a:rPr>
-              <a:t>Skin problems</a:t>
-            </a:r>
-            <a:endParaRPr sz="1850">
-              <a:solidFill>
-                <a:srgbClr val="FFFFFF"/>
-              </a:solidFill>
-            </a:endParaRPr>
+              <a:rPr lang="en" sz="3220"/>
+              <a:t>Problem Statement</a:t>
+            </a:r>
+            <a:endParaRPr sz="3220"/>
           </a:p>
         </p:txBody>
       </p:sp>
-      <p:pic>
-        <p:nvPicPr>
-          <p:cNvPr id="88" name="Google Shape;88;p17"/>
-          <p:cNvPicPr preferRelativeResize="0"/>
-          <p:nvPr/>
-        </p:nvPicPr>
-        <p:blipFill rotWithShape="1">
-          <a:blip r:embed="rId3">
-            <a:alphaModFix/>
-          </a:blip>
-          <a:srcRect b="0" l="-6032" r="39600" t="14074"/>
-          <a:stretch/>
-        </p:blipFill>
-        <p:spPr>
-          <a:xfrm>
-            <a:off x="349375" y="729275"/>
-            <a:ext cx="4119776" cy="4045250"/>
-          </a:xfrm>
-          <a:prstGeom prst="rect">
-            <a:avLst/>
-          </a:prstGeom>
-          <a:noFill/>
-          <a:ln>
-            <a:noFill/>
-          </a:ln>
-        </p:spPr>
-      </p:pic>
       <p:sp>
         <p:nvSpPr>
-          <p:cNvPr id="89" name="Google Shape;89;p17"/>
+          <p:cNvPr id="88" name="Google Shape;88;p17"/>
           <p:cNvSpPr/>
           <p:nvPr/>
         </p:nvSpPr>
         <p:spPr>
           <a:xfrm>
-            <a:off x="317900" y="102850"/>
-            <a:ext cx="8386800" cy="542400"/>
-          </a:xfrm>
-          <a:prstGeom prst="rect">
+            <a:off x="560975" y="1159350"/>
+            <a:ext cx="7208650" cy="906900"/>
+          </a:xfrm>
+          <a:prstGeom prst="flowChartProcess">
             <a:avLst/>
           </a:prstGeom>
           <a:solidFill>
-            <a:srgbClr val="0C343D"/>
+            <a:srgbClr val="1C4587"/>
           </a:solidFill>
           <a:ln cap="flat" cmpd="sng" w="9525">
             <a:solidFill>
@@ -12768,27 +11955,26 @@
           <a:lstStyle/>
           <a:p>
             <a:pPr indent="0" lvl="0" marL="0" rtl="0" algn="l">
-              <a:spcBef>
-                <a:spcPts val="0"/>
-              </a:spcBef>
-              <a:spcAft>
-                <a:spcPts val="0"/>
-              </a:spcAft>
-              <a:buNone/>
-            </a:pPr>
-            <a:r>
-              <a:rPr lang="en" sz="2700">
+              <a:lnSpc>
+                <a:spcPct val="115000"/>
+              </a:lnSpc>
+              <a:spcBef>
+                <a:spcPts val="0"/>
+              </a:spcBef>
+              <a:spcAft>
+                <a:spcPts val="1200"/>
+              </a:spcAft>
+              <a:buNone/>
+            </a:pPr>
+            <a:r>
+              <a:rPr lang="en" sz="2000">
                 <a:solidFill>
                   <a:srgbClr val="FFFFFF"/>
                 </a:solidFill>
               </a:rPr>
-              <a:t>Complications of Diabetes</a:t>
-            </a:r>
-            <a:endParaRPr sz="2700">
-              <a:solidFill>
-                <a:srgbClr val="FFFFFF"/>
-              </a:solidFill>
-            </a:endParaRPr>
+              <a:t>Can diabetes be detected early, before too much damage has occurred</a:t>
+            </a:r>
+            <a:endParaRPr/>
           </a:p>
         </p:txBody>
       </p:sp>
@@ -12805,7 +11991,7 @@
   <p:cSld>
     <p:spTree>
       <p:nvGrpSpPr>
-        <p:cNvPr id="93" name="Shape 93"/>
+        <p:cNvPr id="92" name="Shape 92"/>
         <p:cNvGrpSpPr/>
         <p:nvPr/>
       </p:nvGrpSpPr>
@@ -12819,7 +12005,7 @@
       </p:grpSpPr>
       <p:sp>
         <p:nvSpPr>
-          <p:cNvPr id="94" name="Google Shape;94;p18"/>
+          <p:cNvPr id="93" name="Google Shape;93;p18"/>
           <p:cNvSpPr txBox="1"/>
           <p:nvPr>
             <p:ph type="title"/>
@@ -12836,7 +12022,7 @@
         </p:spPr>
         <p:txBody>
           <a:bodyPr anchorCtr="0" anchor="t" bIns="91425" lIns="91425" spcFirstLastPara="1" rIns="91425" wrap="square" tIns="91425">
-            <a:noAutofit/>
+            <a:normAutofit fontScale="90000"/>
           </a:bodyPr>
           <a:lstStyle/>
           <a:p>
@@ -12847,47 +12033,188 @@
               <a:spcAft>
                 <a:spcPts val="0"/>
               </a:spcAft>
-              <a:buSzPts val="990"/>
-              <a:buNone/>
-            </a:pPr>
-            <a:r>
-              <a:rPr lang="en" sz="3220"/>
-              <a:t>The Problem</a:t>
-            </a:r>
-            <a:endParaRPr sz="3220"/>
+              <a:buNone/>
+            </a:pPr>
+            <a:r>
+              <a:rPr lang="en"/>
+              <a:t>Data Information</a:t>
+            </a:r>
+            <a:endParaRPr/>
+          </a:p>
+        </p:txBody>
+      </p:sp>
+      <p:sp>
+        <p:nvSpPr>
+          <p:cNvPr id="94" name="Google Shape;94;p18"/>
+          <p:cNvSpPr txBox="1"/>
+          <p:nvPr>
+            <p:ph idx="1" type="body"/>
+          </p:nvPr>
+        </p:nvSpPr>
+        <p:spPr>
+          <a:xfrm>
+            <a:off x="311700" y="1152475"/>
+            <a:ext cx="8520600" cy="3416400"/>
+          </a:xfrm>
+          <a:prstGeom prst="rect">
+            <a:avLst/>
+          </a:prstGeom>
+        </p:spPr>
+        <p:txBody>
+          <a:bodyPr anchorCtr="0" anchor="t" bIns="91425" lIns="91425" spcFirstLastPara="1" rIns="91425" wrap="square" tIns="91425">
+            <a:normAutofit/>
+          </a:bodyPr>
+          <a:lstStyle/>
+          <a:p>
+            <a:pPr indent="457200" lvl="0" marL="1371600" rtl="0" algn="l">
+              <a:spcBef>
+                <a:spcPts val="0"/>
+              </a:spcBef>
+              <a:spcAft>
+                <a:spcPts val="0"/>
+              </a:spcAft>
+              <a:buNone/>
+            </a:pPr>
+            <a:r>
+              <a:rPr lang="en" sz="1700">
+                <a:solidFill>
+                  <a:srgbClr val="000000"/>
+                </a:solidFill>
+              </a:rPr>
+              <a:t>Date Data Acquired:   </a:t>
+            </a:r>
+            <a:r>
+              <a:rPr lang="en" sz="1700">
+                <a:solidFill>
+                  <a:srgbClr val="CC4125"/>
+                </a:solidFill>
+              </a:rPr>
+              <a:t> </a:t>
+            </a:r>
+            <a:r>
+              <a:rPr lang="en">
+                <a:solidFill>
+                  <a:srgbClr val="CC4125"/>
+                </a:solidFill>
+                <a:latin typeface="Alfa Slab One"/>
+                <a:ea typeface="Alfa Slab One"/>
+                <a:cs typeface="Alfa Slab One"/>
+                <a:sym typeface="Alfa Slab One"/>
+              </a:rPr>
+              <a:t>December 2020</a:t>
+            </a:r>
+            <a:endParaRPr>
+              <a:solidFill>
+                <a:srgbClr val="CC4125"/>
+              </a:solidFill>
+              <a:latin typeface="Alfa Slab One"/>
+              <a:ea typeface="Alfa Slab One"/>
+              <a:cs typeface="Alfa Slab One"/>
+              <a:sym typeface="Alfa Slab One"/>
+            </a:endParaRPr>
+          </a:p>
+          <a:p>
+            <a:pPr indent="457200" lvl="0" marL="0" rtl="0" algn="l">
+              <a:spcBef>
+                <a:spcPts val="1200"/>
+              </a:spcBef>
+              <a:spcAft>
+                <a:spcPts val="0"/>
+              </a:spcAft>
+              <a:buNone/>
+            </a:pPr>
+            <a:r>
+              <a:rPr lang="en" sz="1900">
+                <a:solidFill>
+                  <a:srgbClr val="000000"/>
+                </a:solidFill>
+              </a:rPr>
+              <a:t>Location where it was </a:t>
+            </a:r>
+            <a:r>
+              <a:rPr lang="en" sz="1900">
+                <a:solidFill>
+                  <a:srgbClr val="000000"/>
+                </a:solidFill>
+              </a:rPr>
+              <a:t>acquired</a:t>
+            </a:r>
+            <a:r>
+              <a:rPr lang="en" sz="1600">
+                <a:solidFill>
+                  <a:srgbClr val="000000"/>
+                </a:solidFill>
+              </a:rPr>
+              <a:t>: </a:t>
+            </a:r>
+            <a:endParaRPr sz="1600">
+              <a:solidFill>
+                <a:srgbClr val="000000"/>
+              </a:solidFill>
+            </a:endParaRPr>
+          </a:p>
+          <a:p>
+            <a:pPr indent="0" lvl="0" marL="0" rtl="0" algn="l">
+              <a:spcBef>
+                <a:spcPts val="1200"/>
+              </a:spcBef>
+              <a:spcAft>
+                <a:spcPts val="0"/>
+              </a:spcAft>
+              <a:buNone/>
+            </a:pPr>
+            <a:r>
+              <a:t/>
+            </a:r>
+            <a:endParaRPr sz="1500">
+              <a:solidFill>
+                <a:srgbClr val="FFFFFF"/>
+              </a:solidFill>
+            </a:endParaRPr>
+          </a:p>
+          <a:p>
+            <a:pPr indent="0" lvl="0" marL="0" rtl="0" algn="l">
+              <a:spcBef>
+                <a:spcPts val="1200"/>
+              </a:spcBef>
+              <a:spcAft>
+                <a:spcPts val="1200"/>
+              </a:spcAft>
+              <a:buNone/>
+            </a:pPr>
+            <a:r>
+              <a:t/>
+            </a:r>
+            <a:endParaRPr>
+              <a:solidFill>
+                <a:srgbClr val="FFFFFF"/>
+              </a:solidFill>
+            </a:endParaRPr>
           </a:p>
         </p:txBody>
       </p:sp>
       <p:sp>
         <p:nvSpPr>
           <p:cNvPr id="95" name="Google Shape;95;p18"/>
-          <p:cNvSpPr/>
+          <p:cNvSpPr txBox="1"/>
           <p:nvPr/>
         </p:nvSpPr>
         <p:spPr>
           <a:xfrm>
-            <a:off x="560975" y="1159350"/>
-            <a:ext cx="7208650" cy="906900"/>
-          </a:xfrm>
-          <a:prstGeom prst="flowChartProcess">
+            <a:off x="4328925" y="1673875"/>
+            <a:ext cx="3805200" cy="2373600"/>
+          </a:xfrm>
+          <a:prstGeom prst="rect">
             <a:avLst/>
           </a:prstGeom>
-          <a:solidFill>
-            <a:srgbClr val="1C4587"/>
-          </a:solidFill>
-          <a:ln cap="flat" cmpd="sng" w="9525">
-            <a:solidFill>
-              <a:schemeClr val="dk2"/>
-            </a:solidFill>
-            <a:prstDash val="solid"/>
-            <a:round/>
-            <a:headEnd len="sm" w="sm" type="none"/>
-            <a:tailEnd len="sm" w="sm" type="none"/>
+          <a:noFill/>
+          <a:ln>
+            <a:noFill/>
           </a:ln>
         </p:spPr>
         <p:txBody>
-          <a:bodyPr anchorCtr="0" anchor="ctr" bIns="91425" lIns="91425" spcFirstLastPara="1" rIns="91425" wrap="square" tIns="91425">
-            <a:noAutofit/>
+          <a:bodyPr anchorCtr="0" anchor="t" bIns="91425" lIns="91425" spcFirstLastPara="1" rIns="91425" wrap="square" tIns="91425">
+            <a:spAutoFit/>
           </a:bodyPr>
           <a:lstStyle/>
           <a:p>
@@ -12904,14 +12231,26 @@
               <a:buNone/>
             </a:pPr>
             <a:r>
-              <a:rPr lang="en" sz="2000">
+              <a:rPr lang="en" sz="1800">
                 <a:solidFill>
-                  <a:srgbClr val="FFFFFF"/>
+                  <a:srgbClr val="CC4125"/>
                 </a:solidFill>
+                <a:latin typeface="Alfa Slab One"/>
+                <a:ea typeface="Alfa Slab One"/>
+                <a:cs typeface="Alfa Slab One"/>
+                <a:sym typeface="Alfa Slab One"/>
               </a:rPr>
-              <a:t>Can diabetes be detected early, before too much damage has occurred</a:t>
-            </a:r>
-            <a:endParaRPr/>
+              <a:t>This dataset has been collected using direct questionnaires from the patients of Sylhet Diabetes Hospital in Sylhet, Bangladesh and approved by a doctor</a:t>
+            </a:r>
+            <a:endParaRPr sz="1700">
+              <a:solidFill>
+                <a:srgbClr val="CC4125"/>
+              </a:solidFill>
+              <a:latin typeface="Alfa Slab One"/>
+              <a:ea typeface="Alfa Slab One"/>
+              <a:cs typeface="Alfa Slab One"/>
+              <a:sym typeface="Alfa Slab One"/>
+            </a:endParaRPr>
           </a:p>
         </p:txBody>
       </p:sp>
@@ -12950,16 +12289,19 @@
         </p:nvSpPr>
         <p:spPr>
           <a:xfrm>
-            <a:off x="311700" y="445025"/>
+            <a:off x="311700" y="388925"/>
             <a:ext cx="8520600" cy="572700"/>
           </a:xfrm>
           <a:prstGeom prst="rect">
             <a:avLst/>
           </a:prstGeom>
+          <a:solidFill>
+            <a:srgbClr val="1C4587"/>
+          </a:solidFill>
         </p:spPr>
         <p:txBody>
           <a:bodyPr anchorCtr="0" anchor="t" bIns="91425" lIns="91425" spcFirstLastPara="1" rIns="91425" wrap="square" tIns="91425">
-            <a:normAutofit fontScale="90000"/>
+            <a:noAutofit/>
           </a:bodyPr>
           <a:lstStyle/>
           <a:p>
@@ -12970,13 +12312,22 @@
               <a:spcAft>
                 <a:spcPts val="0"/>
               </a:spcAft>
-              <a:buNone/>
-            </a:pPr>
-            <a:r>
-              <a:rPr lang="en"/>
-              <a:t>Data Information</a:t>
-            </a:r>
-            <a:endParaRPr/>
+              <a:buSzPts val="990"/>
+              <a:buNone/>
+            </a:pPr>
+            <a:r>
+              <a:rPr lang="en" sz="3020">
+                <a:solidFill>
+                  <a:srgbClr val="FFFFFF"/>
+                </a:solidFill>
+              </a:rPr>
+              <a:t>The Data</a:t>
+            </a:r>
+            <a:endParaRPr sz="3020">
+              <a:solidFill>
+                <a:srgbClr val="FFFFFF"/>
+              </a:solidFill>
+            </a:endParaRPr>
           </a:p>
         </p:txBody>
       </p:sp>
@@ -12990,244 +12341,8 @@
         </p:nvSpPr>
         <p:spPr>
           <a:xfrm>
-            <a:off x="311700" y="1152475"/>
-            <a:ext cx="8520600" cy="3416400"/>
-          </a:xfrm>
-          <a:prstGeom prst="rect">
-            <a:avLst/>
-          </a:prstGeom>
-        </p:spPr>
-        <p:txBody>
-          <a:bodyPr anchorCtr="0" anchor="t" bIns="91425" lIns="91425" spcFirstLastPara="1" rIns="91425" wrap="square" tIns="91425">
-            <a:normAutofit/>
-          </a:bodyPr>
-          <a:lstStyle/>
-          <a:p>
-            <a:pPr indent="457200" lvl="0" marL="1371600" rtl="0" algn="l">
-              <a:spcBef>
-                <a:spcPts val="0"/>
-              </a:spcBef>
-              <a:spcAft>
-                <a:spcPts val="0"/>
-              </a:spcAft>
-              <a:buNone/>
-            </a:pPr>
-            <a:r>
-              <a:rPr lang="en" sz="1700">
-                <a:solidFill>
-                  <a:srgbClr val="000000"/>
-                </a:solidFill>
-              </a:rPr>
-              <a:t>Date Data Acquired:   </a:t>
-            </a:r>
-            <a:r>
-              <a:rPr lang="en" sz="1700">
-                <a:solidFill>
-                  <a:srgbClr val="CC4125"/>
-                </a:solidFill>
-              </a:rPr>
-              <a:t> </a:t>
-            </a:r>
-            <a:r>
-              <a:rPr lang="en">
-                <a:solidFill>
-                  <a:srgbClr val="CC4125"/>
-                </a:solidFill>
-                <a:latin typeface="Alfa Slab One"/>
-                <a:ea typeface="Alfa Slab One"/>
-                <a:cs typeface="Alfa Slab One"/>
-                <a:sym typeface="Alfa Slab One"/>
-              </a:rPr>
-              <a:t>December 2020</a:t>
-            </a:r>
-            <a:endParaRPr>
-              <a:solidFill>
-                <a:srgbClr val="CC4125"/>
-              </a:solidFill>
-              <a:latin typeface="Alfa Slab One"/>
-              <a:ea typeface="Alfa Slab One"/>
-              <a:cs typeface="Alfa Slab One"/>
-              <a:sym typeface="Alfa Slab One"/>
-            </a:endParaRPr>
-          </a:p>
-          <a:p>
-            <a:pPr indent="457200" lvl="0" marL="0" rtl="0" algn="l">
-              <a:spcBef>
-                <a:spcPts val="1200"/>
-              </a:spcBef>
-              <a:spcAft>
-                <a:spcPts val="0"/>
-              </a:spcAft>
-              <a:buNone/>
-            </a:pPr>
-            <a:r>
-              <a:rPr lang="en" sz="1900">
-                <a:solidFill>
-                  <a:srgbClr val="000000"/>
-                </a:solidFill>
-              </a:rPr>
-              <a:t>Location where it was </a:t>
-            </a:r>
-            <a:r>
-              <a:rPr lang="en" sz="1900">
-                <a:solidFill>
-                  <a:srgbClr val="000000"/>
-                </a:solidFill>
-              </a:rPr>
-              <a:t>acquired</a:t>
-            </a:r>
-            <a:r>
-              <a:rPr lang="en" sz="1600">
-                <a:solidFill>
-                  <a:srgbClr val="000000"/>
-                </a:solidFill>
-              </a:rPr>
-              <a:t>: </a:t>
-            </a:r>
-            <a:endParaRPr sz="1600">
-              <a:solidFill>
-                <a:srgbClr val="000000"/>
-              </a:solidFill>
-            </a:endParaRPr>
-          </a:p>
-          <a:p>
-            <a:pPr indent="0" lvl="0" marL="0" rtl="0" algn="l">
-              <a:spcBef>
-                <a:spcPts val="1200"/>
-              </a:spcBef>
-              <a:spcAft>
-                <a:spcPts val="0"/>
-              </a:spcAft>
-              <a:buNone/>
-            </a:pPr>
-            <a:r>
-              <a:t/>
-            </a:r>
-            <a:endParaRPr sz="1500">
-              <a:solidFill>
-                <a:srgbClr val="FFFFFF"/>
-              </a:solidFill>
-            </a:endParaRPr>
-          </a:p>
-          <a:p>
-            <a:pPr indent="0" lvl="0" marL="0" rtl="0" algn="l">
-              <a:spcBef>
-                <a:spcPts val="1200"/>
-              </a:spcBef>
-              <a:spcAft>
-                <a:spcPts val="1200"/>
-              </a:spcAft>
-              <a:buNone/>
-            </a:pPr>
-            <a:r>
-              <a:t/>
-            </a:r>
-            <a:endParaRPr>
-              <a:solidFill>
-                <a:srgbClr val="FFFFFF"/>
-              </a:solidFill>
-            </a:endParaRPr>
-          </a:p>
-        </p:txBody>
-      </p:sp>
-      <p:sp>
-        <p:nvSpPr>
-          <p:cNvPr id="102" name="Google Shape;102;p19"/>
-          <p:cNvSpPr txBox="1"/>
-          <p:nvPr/>
-        </p:nvSpPr>
-        <p:spPr>
-          <a:xfrm>
-            <a:off x="4328925" y="1673875"/>
-            <a:ext cx="3805200" cy="2373600"/>
-          </a:xfrm>
-          <a:prstGeom prst="rect">
-            <a:avLst/>
-          </a:prstGeom>
-          <a:noFill/>
-          <a:ln>
-            <a:noFill/>
-          </a:ln>
-        </p:spPr>
-        <p:txBody>
-          <a:bodyPr anchorCtr="0" anchor="t" bIns="91425" lIns="91425" spcFirstLastPara="1" rIns="91425" wrap="square" tIns="91425">
-            <a:spAutoFit/>
-          </a:bodyPr>
-          <a:lstStyle/>
-          <a:p>
-            <a:pPr indent="0" lvl="0" marL="0" rtl="0" algn="l">
-              <a:lnSpc>
-                <a:spcPct val="115000"/>
-              </a:lnSpc>
-              <a:spcBef>
-                <a:spcPts val="0"/>
-              </a:spcBef>
-              <a:spcAft>
-                <a:spcPts val="1200"/>
-              </a:spcAft>
-              <a:buNone/>
-            </a:pPr>
-            <a:r>
-              <a:rPr lang="en" sz="1800">
-                <a:solidFill>
-                  <a:srgbClr val="CC4125"/>
-                </a:solidFill>
-                <a:latin typeface="Alfa Slab One"/>
-                <a:ea typeface="Alfa Slab One"/>
-                <a:cs typeface="Alfa Slab One"/>
-                <a:sym typeface="Alfa Slab One"/>
-              </a:rPr>
-              <a:t>This dataset has been collected using direct questionnaires from the patients of Sylhet Diabetes Hospital in Sylhet, Bangladesh and approved by a doctor</a:t>
-            </a:r>
-            <a:endParaRPr sz="1700">
-              <a:solidFill>
-                <a:srgbClr val="CC4125"/>
-              </a:solidFill>
-              <a:latin typeface="Alfa Slab One"/>
-              <a:ea typeface="Alfa Slab One"/>
-              <a:cs typeface="Alfa Slab One"/>
-              <a:sym typeface="Alfa Slab One"/>
-            </a:endParaRPr>
-          </a:p>
-        </p:txBody>
-      </p:sp>
-    </p:spTree>
-  </p:cSld>
-  <p:clrMapOvr>
-    <a:masterClrMapping/>
-  </p:clrMapOvr>
-</p:sld>
-</file>
-
-<file path=ppt/slides/slide8.xml><?xml version="1.0" encoding="utf-8"?>
-<p:sld xmlns:a="http://schemas.openxmlformats.org/drawingml/2006/main" xmlns:r="http://schemas.openxmlformats.org/officeDocument/2006/relationships" xmlns:mc="http://schemas.openxmlformats.org/markup-compatibility/2006" xmlns:mv="urn:schemas-microsoft-com:mac:vml" xmlns:p="http://schemas.openxmlformats.org/presentationml/2006/main" xmlns:c="http://schemas.openxmlformats.org/drawingml/2006/chart" xmlns:dgm="http://schemas.openxmlformats.org/drawingml/2006/diagram" xmlns:o="urn:schemas-microsoft-com:office:office" xmlns:v="urn:schemas-microsoft-com:vml" xmlns:pvml="urn:schemas-microsoft-com:office:powerpoint" xmlns:com="http://schemas.openxmlformats.org/drawingml/2006/compatibility" xmlns:p14="http://schemas.microsoft.com/office/powerpoint/2010/main" xmlns:p15="http://schemas.microsoft.com/office/powerpoint/2012/main" xmlns:ahyp="http://schemas.microsoft.com/office/drawing/2018/hyperlinkcolor">
-  <p:cSld>
-    <p:spTree>
-      <p:nvGrpSpPr>
-        <p:cNvPr id="106" name="Shape 106"/>
-        <p:cNvGrpSpPr/>
-        <p:nvPr/>
-      </p:nvGrpSpPr>
-      <p:grpSpPr>
-        <a:xfrm>
-          <a:off x="0" y="0"/>
-          <a:ext cx="0" cy="0"/>
-          <a:chOff x="0" y="0"/>
-          <a:chExt cx="0" cy="0"/>
-        </a:xfrm>
-      </p:grpSpPr>
-      <p:sp>
-        <p:nvSpPr>
-          <p:cNvPr id="107" name="Google Shape;107;p20"/>
-          <p:cNvSpPr txBox="1"/>
-          <p:nvPr>
-            <p:ph type="title"/>
-          </p:nvPr>
-        </p:nvSpPr>
-        <p:spPr>
-          <a:xfrm>
-            <a:off x="311700" y="388925"/>
-            <a:ext cx="8520600" cy="572700"/>
+            <a:off x="626425" y="1018375"/>
+            <a:ext cx="8205900" cy="430200"/>
           </a:xfrm>
           <a:prstGeom prst="rect">
             <a:avLst/>
@@ -13238,58 +12353,6 @@
         </p:spPr>
         <p:txBody>
           <a:bodyPr anchorCtr="0" anchor="t" bIns="91425" lIns="91425" spcFirstLastPara="1" rIns="91425" wrap="square" tIns="91425">
-            <a:noAutofit/>
-          </a:bodyPr>
-          <a:lstStyle/>
-          <a:p>
-            <a:pPr indent="0" lvl="0" marL="0" rtl="0" algn="l">
-              <a:spcBef>
-                <a:spcPts val="0"/>
-              </a:spcBef>
-              <a:spcAft>
-                <a:spcPts val="0"/>
-              </a:spcAft>
-              <a:buSzPts val="990"/>
-              <a:buNone/>
-            </a:pPr>
-            <a:r>
-              <a:rPr lang="en" sz="3020">
-                <a:solidFill>
-                  <a:srgbClr val="FFFFFF"/>
-                </a:solidFill>
-              </a:rPr>
-              <a:t>The Data</a:t>
-            </a:r>
-            <a:endParaRPr sz="3020">
-              <a:solidFill>
-                <a:srgbClr val="FFFFFF"/>
-              </a:solidFill>
-            </a:endParaRPr>
-          </a:p>
-        </p:txBody>
-      </p:sp>
-      <p:sp>
-        <p:nvSpPr>
-          <p:cNvPr id="108" name="Google Shape;108;p20"/>
-          <p:cNvSpPr txBox="1"/>
-          <p:nvPr>
-            <p:ph idx="1" type="body"/>
-          </p:nvPr>
-        </p:nvSpPr>
-        <p:spPr>
-          <a:xfrm>
-            <a:off x="626425" y="1018375"/>
-            <a:ext cx="8205900" cy="430200"/>
-          </a:xfrm>
-          <a:prstGeom prst="rect">
-            <a:avLst/>
-          </a:prstGeom>
-          <a:solidFill>
-            <a:srgbClr val="1C4587"/>
-          </a:solidFill>
-        </p:spPr>
-        <p:txBody>
-          <a:bodyPr anchorCtr="0" anchor="t" bIns="91425" lIns="91425" spcFirstLastPara="1" rIns="91425" wrap="square" tIns="91425">
             <a:normAutofit fontScale="25000" lnSpcReduction="20000"/>
           </a:bodyPr>
           <a:lstStyle/>
@@ -13402,7 +12465,7 @@
       </p:sp>
       <p:sp>
         <p:nvSpPr>
-          <p:cNvPr id="109" name="Google Shape;109;p20"/>
+          <p:cNvPr id="102" name="Google Shape;102;p19"/>
           <p:cNvSpPr txBox="1"/>
           <p:nvPr/>
         </p:nvSpPr>
@@ -13721,7 +12784,7 @@
       </p:sp>
       <p:sp>
         <p:nvSpPr>
-          <p:cNvPr id="110" name="Google Shape;110;p20"/>
+          <p:cNvPr id="103" name="Google Shape;103;p19"/>
           <p:cNvSpPr txBox="1"/>
           <p:nvPr/>
         </p:nvSpPr>
@@ -14132,7 +13195,7 @@
       </p:sp>
       <p:sp>
         <p:nvSpPr>
-          <p:cNvPr id="111" name="Google Shape;111;p20"/>
+          <p:cNvPr id="104" name="Google Shape;104;p19"/>
           <p:cNvSpPr/>
           <p:nvPr/>
         </p:nvSpPr>
@@ -14184,7 +13247,7 @@
       </p:sp>
       <p:sp>
         <p:nvSpPr>
-          <p:cNvPr id="112" name="Google Shape;112;p20"/>
+          <p:cNvPr id="105" name="Google Shape;105;p19"/>
           <p:cNvSpPr/>
           <p:nvPr/>
         </p:nvSpPr>
@@ -14236,7 +13299,7 @@
       </p:sp>
       <p:sp>
         <p:nvSpPr>
-          <p:cNvPr id="113" name="Google Shape;113;p20"/>
+          <p:cNvPr id="106" name="Google Shape;106;p19"/>
           <p:cNvSpPr/>
           <p:nvPr/>
         </p:nvSpPr>
@@ -14288,7 +13351,7 @@
       </p:sp>
       <p:sp>
         <p:nvSpPr>
-          <p:cNvPr id="114" name="Google Shape;114;p20"/>
+          <p:cNvPr id="107" name="Google Shape;107;p19"/>
           <p:cNvSpPr/>
           <p:nvPr/>
         </p:nvSpPr>
@@ -14335,6 +13398,186 @@
               <a:t/>
             </a:r>
             <a:endParaRPr/>
+          </a:p>
+        </p:txBody>
+      </p:sp>
+    </p:spTree>
+  </p:cSld>
+  <p:clrMapOvr>
+    <a:masterClrMapping/>
+  </p:clrMapOvr>
+</p:sld>
+</file>
+
+<file path=ppt/slides/slide8.xml><?xml version="1.0" encoding="utf-8"?>
+<p:sld xmlns:a="http://schemas.openxmlformats.org/drawingml/2006/main" xmlns:r="http://schemas.openxmlformats.org/officeDocument/2006/relationships" xmlns:mc="http://schemas.openxmlformats.org/markup-compatibility/2006" xmlns:mv="urn:schemas-microsoft-com:mac:vml" xmlns:p="http://schemas.openxmlformats.org/presentationml/2006/main" xmlns:c="http://schemas.openxmlformats.org/drawingml/2006/chart" xmlns:dgm="http://schemas.openxmlformats.org/drawingml/2006/diagram" xmlns:o="urn:schemas-microsoft-com:office:office" xmlns:v="urn:schemas-microsoft-com:vml" xmlns:pvml="urn:schemas-microsoft-com:office:powerpoint" xmlns:com="http://schemas.openxmlformats.org/drawingml/2006/compatibility" xmlns:p14="http://schemas.microsoft.com/office/powerpoint/2010/main" xmlns:p15="http://schemas.microsoft.com/office/powerpoint/2012/main" xmlns:ahyp="http://schemas.microsoft.com/office/drawing/2018/hyperlinkcolor">
+  <p:cSld>
+    <p:spTree>
+      <p:nvGrpSpPr>
+        <p:cNvPr id="111" name="Shape 111"/>
+        <p:cNvGrpSpPr/>
+        <p:nvPr/>
+      </p:nvGrpSpPr>
+      <p:grpSpPr>
+        <a:xfrm>
+          <a:off x="0" y="0"/>
+          <a:ext cx="0" cy="0"/>
+          <a:chOff x="0" y="0"/>
+          <a:chExt cx="0" cy="0"/>
+        </a:xfrm>
+      </p:grpSpPr>
+      <p:sp>
+        <p:nvSpPr>
+          <p:cNvPr id="112" name="Google Shape;112;p20"/>
+          <p:cNvSpPr txBox="1"/>
+          <p:nvPr>
+            <p:ph type="title"/>
+          </p:nvPr>
+        </p:nvSpPr>
+        <p:spPr>
+          <a:xfrm>
+            <a:off x="311700" y="435675"/>
+            <a:ext cx="8520600" cy="572700"/>
+          </a:xfrm>
+          <a:prstGeom prst="rect">
+            <a:avLst/>
+          </a:prstGeom>
+          <a:solidFill>
+            <a:srgbClr val="1C4587"/>
+          </a:solidFill>
+        </p:spPr>
+        <p:txBody>
+          <a:bodyPr anchorCtr="0" anchor="t" bIns="91425" lIns="91425" spcFirstLastPara="1" rIns="91425" wrap="square" tIns="91425">
+            <a:normAutofit/>
+          </a:bodyPr>
+          <a:lstStyle/>
+          <a:p>
+            <a:pPr indent="0" lvl="0" marL="0" rtl="0" algn="l">
+              <a:lnSpc>
+                <a:spcPct val="115000"/>
+              </a:lnSpc>
+              <a:spcBef>
+                <a:spcPts val="0"/>
+              </a:spcBef>
+              <a:spcAft>
+                <a:spcPts val="0"/>
+              </a:spcAft>
+              <a:buClr>
+                <a:schemeClr val="dk1"/>
+              </a:buClr>
+              <a:buSzPts val="1100"/>
+              <a:buFont typeface="Arial"/>
+              <a:buNone/>
+            </a:pPr>
+            <a:r>
+              <a:rPr lang="en" sz="2100">
+                <a:solidFill>
+                  <a:srgbClr val="FFFFFF"/>
+                </a:solidFill>
+              </a:rPr>
+              <a:t>Frequency and proportion of response variable</a:t>
+            </a:r>
+            <a:endParaRPr sz="3600">
+              <a:solidFill>
+                <a:srgbClr val="FFFFFF"/>
+              </a:solidFill>
+            </a:endParaRPr>
+          </a:p>
+        </p:txBody>
+      </p:sp>
+      <p:pic>
+        <p:nvPicPr>
+          <p:cNvPr id="113" name="Google Shape;113;p20"/>
+          <p:cNvPicPr preferRelativeResize="0"/>
+          <p:nvPr/>
+        </p:nvPicPr>
+        <p:blipFill>
+          <a:blip r:embed="rId3">
+            <a:alphaModFix/>
+          </a:blip>
+          <a:stretch>
+            <a:fillRect/>
+          </a:stretch>
+        </p:blipFill>
+        <p:spPr>
+          <a:xfrm>
+            <a:off x="1442675" y="1236950"/>
+            <a:ext cx="5715000" cy="3390900"/>
+          </a:xfrm>
+          <a:prstGeom prst="rect">
+            <a:avLst/>
+          </a:prstGeom>
+          <a:noFill/>
+          <a:ln>
+            <a:noFill/>
+          </a:ln>
+        </p:spPr>
+      </p:pic>
+      <p:sp>
+        <p:nvSpPr>
+          <p:cNvPr id="114" name="Google Shape;114;p20"/>
+          <p:cNvSpPr txBox="1"/>
+          <p:nvPr/>
+        </p:nvSpPr>
+        <p:spPr>
+          <a:xfrm>
+            <a:off x="1994975" y="4627850"/>
+            <a:ext cx="4610400" cy="400200"/>
+          </a:xfrm>
+          <a:prstGeom prst="rect">
+            <a:avLst/>
+          </a:prstGeom>
+          <a:solidFill>
+            <a:srgbClr val="A64D79"/>
+          </a:solidFill>
+          <a:ln>
+            <a:noFill/>
+          </a:ln>
+        </p:spPr>
+        <p:txBody>
+          <a:bodyPr anchorCtr="0" anchor="t" bIns="91425" lIns="91425" spcFirstLastPara="1" rIns="91425" wrap="square" tIns="91425">
+            <a:spAutoFit/>
+          </a:bodyPr>
+          <a:lstStyle/>
+          <a:p>
+            <a:pPr indent="0" lvl="0" marL="0" rtl="0" algn="ctr">
+              <a:spcBef>
+                <a:spcPts val="0"/>
+              </a:spcBef>
+              <a:spcAft>
+                <a:spcPts val="0"/>
+              </a:spcAft>
+              <a:buNone/>
+            </a:pPr>
+            <a:r>
+              <a:rPr lang="en">
+                <a:solidFill>
+                  <a:srgbClr val="FFFFFF"/>
+                </a:solidFill>
+              </a:rPr>
+              <a:t>There is small </a:t>
+            </a:r>
+            <a:r>
+              <a:rPr lang="en">
+                <a:solidFill>
+                  <a:srgbClr val="FFFFFF"/>
+                </a:solidFill>
+              </a:rPr>
+              <a:t>imbalance</a:t>
+            </a:r>
+            <a:r>
+              <a:rPr lang="en">
+                <a:solidFill>
+                  <a:srgbClr val="FFFFFF"/>
+                </a:solidFill>
+              </a:rPr>
+              <a:t> in the response variable</a:t>
+            </a:r>
+            <a:endParaRPr>
+              <a:solidFill>
+                <a:srgbClr val="FFFFFF"/>
+              </a:solidFill>
+            </a:endParaRPr>
           </a:p>
         </p:txBody>
       </p:sp>
@@ -14368,20 +13611,17 @@
           <p:cNvPr id="119" name="Google Shape;119;p21"/>
           <p:cNvSpPr txBox="1"/>
           <p:nvPr>
-            <p:ph type="title"/>
+            <p:ph idx="1" type="body"/>
           </p:nvPr>
         </p:nvSpPr>
         <p:spPr>
           <a:xfrm>
-            <a:off x="311700" y="435675"/>
-            <a:ext cx="8520600" cy="572700"/>
+            <a:off x="264950" y="3880125"/>
+            <a:ext cx="7485900" cy="1498200"/>
           </a:xfrm>
           <a:prstGeom prst="rect">
             <a:avLst/>
           </a:prstGeom>
-          <a:solidFill>
-            <a:srgbClr val="1C4587"/>
-          </a:solidFill>
         </p:spPr>
         <p:txBody>
           <a:bodyPr anchorCtr="0" anchor="t" bIns="91425" lIns="91425" spcFirstLastPara="1" rIns="91425" wrap="square" tIns="91425">
@@ -14390,9 +13630,6 @@
           <a:lstStyle/>
           <a:p>
             <a:pPr indent="0" lvl="0" marL="0" rtl="0" algn="l">
-              <a:lnSpc>
-                <a:spcPct val="115000"/>
-              </a:lnSpc>
               <a:spcBef>
                 <a:spcPts val="0"/>
               </a:spcBef>
@@ -14407,63 +13644,45 @@
               <a:buNone/>
             </a:pPr>
             <a:r>
-              <a:rPr lang="en" sz="2100">
+              <a:rPr lang="en" sz="1300">
                 <a:solidFill>
-                  <a:srgbClr val="FFFFFF"/>
+                  <a:schemeClr val="dk1"/>
                 </a:solidFill>
               </a:rPr>
-              <a:t>Frequency and proportion of response variable</a:t>
-            </a:r>
-            <a:endParaRPr sz="3600">
-              <a:solidFill>
-                <a:srgbClr val="FFFFFF"/>
-              </a:solidFill>
-            </a:endParaRPr>
-          </a:p>
-        </p:txBody>
-      </p:sp>
-      <p:sp>
-        <p:nvSpPr>
-          <p:cNvPr id="120" name="Google Shape;120;p21"/>
-          <p:cNvSpPr txBox="1"/>
-          <p:nvPr>
-            <p:ph idx="1" type="body"/>
-          </p:nvPr>
-        </p:nvSpPr>
-        <p:spPr>
-          <a:xfrm>
-            <a:off x="311700" y="1152475"/>
-            <a:ext cx="8520600" cy="3416400"/>
-          </a:xfrm>
-          <a:prstGeom prst="rect">
-            <a:avLst/>
-          </a:prstGeom>
-        </p:spPr>
-        <p:txBody>
-          <a:bodyPr anchorCtr="0" anchor="t" bIns="91425" lIns="91425" spcFirstLastPara="1" rIns="91425" wrap="square" tIns="91425">
-            <a:normAutofit/>
-          </a:bodyPr>
-          <a:lstStyle/>
-          <a:p>
-            <a:pPr indent="0" lvl="0" marL="0" rtl="0" algn="l">
+              <a:t> </a:t>
+            </a:r>
+            <a:endParaRPr sz="2000"/>
+          </a:p>
+          <a:p>
+            <a:pPr indent="0" lvl="0" marL="0" rtl="0" algn="ctr">
               <a:spcBef>
                 <a:spcPts val="0"/>
               </a:spcBef>
               <a:spcAft>
                 <a:spcPts val="1200"/>
               </a:spcAft>
-              <a:buNone/>
-            </a:pPr>
-            <a:r>
-              <a:t/>
-            </a:r>
-            <a:endParaRPr/>
+              <a:buClr>
+                <a:schemeClr val="dk1"/>
+              </a:buClr>
+              <a:buSzPts val="1100"/>
+              <a:buFont typeface="Arial"/>
+              <a:buNone/>
+            </a:pPr>
+            <a:r>
+              <a:rPr lang="en" sz="1743"/>
+              <a:t>First Hypothesis to be tested is to t</a:t>
+            </a:r>
+            <a:r>
+              <a:rPr lang="en" sz="1743"/>
+              <a:t>est if females test positive more than males by performing a proportion z_test. We were able to reject the null hypothesis</a:t>
+            </a:r>
+            <a:endParaRPr sz="1743"/>
           </a:p>
         </p:txBody>
       </p:sp>
       <p:pic>
         <p:nvPicPr>
-          <p:cNvPr id="121" name="Google Shape;121;p21"/>
+          <p:cNvPr id="120" name="Google Shape;120;p21"/>
           <p:cNvPicPr preferRelativeResize="0"/>
           <p:nvPr/>
         </p:nvPicPr>
@@ -14477,8 +13696,8 @@
         </p:blipFill>
         <p:spPr>
           <a:xfrm>
-            <a:off x="1442675" y="1236950"/>
-            <a:ext cx="5715000" cy="3390900"/>
+            <a:off x="1150400" y="526300"/>
+            <a:ext cx="5715000" cy="3543300"/>
           </a:xfrm>
           <a:prstGeom prst="rect">
             <a:avLst/>
@@ -14489,6 +13708,64 @@
           </a:ln>
         </p:spPr>
       </p:pic>
+      <p:sp>
+        <p:nvSpPr>
+          <p:cNvPr id="121" name="Google Shape;121;p21"/>
+          <p:cNvSpPr/>
+          <p:nvPr/>
+        </p:nvSpPr>
+        <p:spPr>
+          <a:xfrm>
+            <a:off x="1860975" y="0"/>
+            <a:ext cx="5067600" cy="563700"/>
+          </a:xfrm>
+          <a:prstGeom prst="rect">
+            <a:avLst/>
+          </a:prstGeom>
+          <a:solidFill>
+            <a:srgbClr val="1C4587"/>
+          </a:solidFill>
+          <a:ln cap="flat" cmpd="sng" w="9525">
+            <a:solidFill>
+              <a:schemeClr val="dk2"/>
+            </a:solidFill>
+            <a:prstDash val="solid"/>
+            <a:round/>
+            <a:headEnd len="sm" w="sm" type="none"/>
+            <a:tailEnd len="sm" w="sm" type="none"/>
+          </a:ln>
+        </p:spPr>
+        <p:txBody>
+          <a:bodyPr anchorCtr="0" anchor="ctr" bIns="91425" lIns="91425" spcFirstLastPara="1" rIns="91425" wrap="square" tIns="91425">
+            <a:noAutofit/>
+          </a:bodyPr>
+          <a:lstStyle/>
+          <a:p>
+            <a:pPr indent="0" lvl="0" marL="0" rtl="0" algn="l">
+              <a:spcBef>
+                <a:spcPts val="0"/>
+              </a:spcBef>
+              <a:spcAft>
+                <a:spcPts val="0"/>
+              </a:spcAft>
+              <a:buNone/>
+            </a:pPr>
+            <a:r>
+              <a:rPr lang="en" sz="2000">
+                <a:solidFill>
+                  <a:srgbClr val="FFFFFF"/>
+                </a:solidFill>
+              </a:rPr>
+              <a:t>Females to males who tested positive</a:t>
+            </a:r>
+            <a:endParaRPr sz="2000">
+              <a:solidFill>
+                <a:srgbClr val="FFFFFF"/>
+              </a:solidFill>
+            </a:endParaRPr>
+          </a:p>
+        </p:txBody>
+      </p:sp>
     </p:spTree>
   </p:cSld>
   <p:clrMapOvr>
@@ -14498,6 +13775,285 @@
 </file>
 
 <file path=ppt/theme/theme1.xml><?xml version="1.0" encoding="utf-8"?>
+<a:theme xmlns:a="http://schemas.openxmlformats.org/drawingml/2006/main" xmlns:r="http://schemas.openxmlformats.org/officeDocument/2006/relationships">
+  <a:themeElements>
+    <a:clrScheme name="Default">
+      <a:dk1>
+        <a:srgbClr val="000000"/>
+      </a:dk1>
+      <a:lt1>
+        <a:srgbClr val="FFFFFF"/>
+      </a:lt1>
+      <a:dk2>
+        <a:srgbClr val="158158"/>
+      </a:dk2>
+      <a:lt2>
+        <a:srgbClr val="F3F3F3"/>
+      </a:lt2>
+      <a:accent1>
+        <a:srgbClr val="058DC7"/>
+      </a:accent1>
+      <a:accent2>
+        <a:srgbClr val="50B432"/>
+      </a:accent2>
+      <a:accent3>
+        <a:srgbClr val="ED561B"/>
+      </a:accent3>
+      <a:accent4>
+        <a:srgbClr val="EDEF00"/>
+      </a:accent4>
+      <a:accent5>
+        <a:srgbClr val="24CBE5"/>
+      </a:accent5>
+      <a:accent6>
+        <a:srgbClr val="64E572"/>
+      </a:accent6>
+      <a:hlink>
+        <a:srgbClr val="2200CC"/>
+      </a:hlink>
+      <a:folHlink>
+        <a:srgbClr val="551A8B"/>
+      </a:folHlink>
+    </a:clrScheme>
+    <a:fontScheme name="Office">
+      <a:majorFont>
+        <a:latin typeface="Arial"/>
+        <a:ea typeface=""/>
+        <a:cs typeface=""/>
+        <a:font script="Jpan" typeface="ＭＳ Ｐゴシック"/>
+        <a:font script="Hang" typeface="맑은 고딕"/>
+        <a:font script="Hans" typeface="宋体"/>
+        <a:font script="Hant" typeface="新細明體"/>
+        <a:font script="Arab" typeface="Times New Roman"/>
+        <a:font script="Hebr" typeface="Times New Roman"/>
+        <a:font script="Thai" typeface="Angsana New"/>
+        <a:font script="Ethi" typeface="Nyala"/>
+        <a:font script="Beng" typeface="Vrinda"/>
+        <a:font script="Gujr" typeface="Shruti"/>
+        <a:font script="Khmr" typeface="MoolBoran"/>
+        <a:font script="Knda" typeface="Tunga"/>
+        <a:font script="Guru" typeface="Raavi"/>
+        <a:font script="Cans" typeface="Euphemia"/>
+        <a:font script="Cher" typeface="Plantagenet Cherokee"/>
+        <a:font script="Yiii" typeface="Microsoft Yi Baiti"/>
+        <a:font script="Tibt" typeface="Microsoft Himalaya"/>
+        <a:font script="Thaa" typeface="MV Boli"/>
+        <a:font script="Deva" typeface="Mangal"/>
+        <a:font script="Telu" typeface="Gautami"/>
+        <a:font script="Taml" typeface="Latha"/>
+        <a:font script="Syrc" typeface="Estrangelo Edessa"/>
+        <a:font script="Orya" typeface="Kalinga"/>
+        <a:font script="Mlym" typeface="Kartika"/>
+        <a:font script="Laoo" typeface="DokChampa"/>
+        <a:font script="Sinh" typeface="Iskoola Pota"/>
+        <a:font script="Mong" typeface="Mongolian Baiti"/>
+        <a:font script="Viet" typeface="Times New Roman"/>
+        <a:font script="Uigh" typeface="Microsoft Uighur"/>
+        <a:font script="Geor" typeface="Sylfaen"/>
+      </a:majorFont>
+      <a:minorFont>
+        <a:latin typeface="Arial"/>
+        <a:ea typeface=""/>
+        <a:cs typeface=""/>
+        <a:font script="Jpan" typeface="ＭＳ Ｐゴシック"/>
+        <a:font script="Hang" typeface="맑은 고딕"/>
+        <a:font script="Hans" typeface="宋体"/>
+        <a:font script="Hant" typeface="新細明體"/>
+        <a:font script="Arab" typeface="Arial"/>
+        <a:font script="Hebr" typeface="Arial"/>
+        <a:font script="Thai" typeface="Cordia New"/>
+        <a:font script="Ethi" typeface="Nyala"/>
+        <a:font script="Beng" typeface="Vrinda"/>
+        <a:font script="Gujr" typeface="Shruti"/>
+        <a:font script="Khmr" typeface="DaunPenh"/>
+        <a:font script="Knda" typeface="Tunga"/>
+        <a:font script="Guru" typeface="Raavi"/>
+        <a:font script="Cans" typeface="Euphemia"/>
+        <a:font script="Cher" typeface="Plantagenet Cherokee"/>
+        <a:font script="Yiii" typeface="Microsoft Yi Baiti"/>
+        <a:font script="Tibt" typeface="Microsoft Himalaya"/>
+        <a:font script="Thaa" typeface="MV Boli"/>
+        <a:font script="Deva" typeface="Mangal"/>
+        <a:font script="Telu" typeface="Gautami"/>
+        <a:font script="Taml" typeface="Latha"/>
+        <a:font script="Syrc" typeface="Estrangelo Edessa"/>
+        <a:font script="Orya" typeface="Kalinga"/>
+        <a:font script="Mlym" typeface="Kartika"/>
+        <a:font script="Laoo" typeface="DokChampa"/>
+        <a:font script="Sinh" typeface="Iskoola Pota"/>
+        <a:font script="Mong" typeface="Mongolian Baiti"/>
+        <a:font script="Viet" typeface="Arial"/>
+        <a:font script="Uigh" typeface="Microsoft Uighur"/>
+        <a:font script="Geor" typeface="Sylfaen"/>
+      </a:minorFont>
+    </a:fontScheme>
+    <a:fmtScheme name="Office">
+      <a:fillStyleLst>
+        <a:solidFill>
+          <a:schemeClr val="phClr"/>
+        </a:solidFill>
+        <a:gradFill rotWithShape="1">
+          <a:gsLst>
+            <a:gs pos="0">
+              <a:schemeClr val="phClr">
+                <a:tint val="50000"/>
+                <a:satMod val="300000"/>
+              </a:schemeClr>
+            </a:gs>
+            <a:gs pos="35000">
+              <a:schemeClr val="phClr">
+                <a:tint val="37000"/>
+                <a:satMod val="300000"/>
+              </a:schemeClr>
+            </a:gs>
+            <a:gs pos="100000">
+              <a:schemeClr val="phClr">
+                <a:tint val="15000"/>
+                <a:satMod val="350000"/>
+              </a:schemeClr>
+            </a:gs>
+          </a:gsLst>
+          <a:lin ang="16200000" scaled="1"/>
+        </a:gradFill>
+        <a:gradFill rotWithShape="1">
+          <a:gsLst>
+            <a:gs pos="0">
+              <a:schemeClr val="phClr">
+                <a:tint val="100000"/>
+                <a:shade val="100000"/>
+                <a:satMod val="130000"/>
+              </a:schemeClr>
+            </a:gs>
+            <a:gs pos="100000">
+              <a:schemeClr val="phClr">
+                <a:tint val="50000"/>
+                <a:shade val="100000"/>
+                <a:satMod val="350000"/>
+              </a:schemeClr>
+            </a:gs>
+          </a:gsLst>
+          <a:lin ang="16200000" scaled="0"/>
+        </a:gradFill>
+      </a:fillStyleLst>
+      <a:lnStyleLst>
+        <a:ln w="9525" cap="flat" cmpd="sng" algn="ctr">
+          <a:solidFill>
+            <a:schemeClr val="phClr">
+              <a:shade val="95000"/>
+              <a:satMod val="105000"/>
+            </a:schemeClr>
+          </a:solidFill>
+          <a:prstDash val="solid"/>
+        </a:ln>
+        <a:ln w="25400" cap="flat" cmpd="sng" algn="ctr">
+          <a:solidFill>
+            <a:schemeClr val="phClr"/>
+          </a:solidFill>
+          <a:prstDash val="solid"/>
+        </a:ln>
+        <a:ln w="38100" cap="flat" cmpd="sng" algn="ctr">
+          <a:solidFill>
+            <a:schemeClr val="phClr"/>
+          </a:solidFill>
+          <a:prstDash val="solid"/>
+        </a:ln>
+      </a:lnStyleLst>
+      <a:effectStyleLst>
+        <a:effectStyle>
+          <a:effectLst>
+            <a:outerShdw blurRad="40000" dist="20000" dir="5400000" rotWithShape="0">
+              <a:srgbClr val="000000">
+                <a:alpha val="38000"/>
+              </a:srgbClr>
+            </a:outerShdw>
+          </a:effectLst>
+        </a:effectStyle>
+        <a:effectStyle>
+          <a:effectLst>
+            <a:outerShdw blurRad="40000" dist="23000" dir="5400000" rotWithShape="0">
+              <a:srgbClr val="000000">
+                <a:alpha val="35000"/>
+              </a:srgbClr>
+            </a:outerShdw>
+          </a:effectLst>
+        </a:effectStyle>
+        <a:effectStyle>
+          <a:effectLst>
+            <a:outerShdw blurRad="40000" dist="23000" dir="5400000" rotWithShape="0">
+              <a:srgbClr val="000000">
+                <a:alpha val="35000"/>
+              </a:srgbClr>
+            </a:outerShdw>
+          </a:effectLst>
+          <a:scene3d>
+            <a:camera prst="orthographicFront">
+              <a:rot lat="0" lon="0" rev="0"/>
+            </a:camera>
+            <a:lightRig rig="threePt" dir="t">
+              <a:rot lat="0" lon="0" rev="1200000"/>
+            </a:lightRig>
+          </a:scene3d>
+          <a:sp3d>
+            <a:bevelT w="63500" h="25400"/>
+          </a:sp3d>
+        </a:effectStyle>
+      </a:effectStyleLst>
+      <a:bgFillStyleLst>
+        <a:solidFill>
+          <a:schemeClr val="phClr"/>
+        </a:solidFill>
+        <a:gradFill rotWithShape="1">
+          <a:gsLst>
+            <a:gs pos="0">
+              <a:schemeClr val="phClr">
+                <a:tint val="40000"/>
+                <a:satMod val="350000"/>
+              </a:schemeClr>
+            </a:gs>
+            <a:gs pos="40000">
+              <a:schemeClr val="phClr">
+                <a:tint val="45000"/>
+                <a:shade val="99000"/>
+                <a:satMod val="350000"/>
+              </a:schemeClr>
+            </a:gs>
+            <a:gs pos="100000">
+              <a:schemeClr val="phClr">
+                <a:shade val="20000"/>
+                <a:satMod val="255000"/>
+              </a:schemeClr>
+            </a:gs>
+          </a:gsLst>
+          <a:path path="circle">
+            <a:fillToRect l="50000" t="-80000" r="50000" b="180000"/>
+          </a:path>
+        </a:gradFill>
+        <a:gradFill rotWithShape="1">
+          <a:gsLst>
+            <a:gs pos="0">
+              <a:schemeClr val="phClr">
+                <a:tint val="80000"/>
+                <a:satMod val="300000"/>
+              </a:schemeClr>
+            </a:gs>
+            <a:gs pos="100000">
+              <a:schemeClr val="phClr">
+                <a:shade val="30000"/>
+                <a:satMod val="200000"/>
+              </a:schemeClr>
+            </a:gs>
+          </a:gsLst>
+          <a:path path="circle">
+            <a:fillToRect l="50000" t="50000" r="50000" b="50000"/>
+          </a:path>
+        </a:gradFill>
+      </a:bgFillStyleLst>
+    </a:fmtScheme>
+  </a:themeElements>
+</a:theme>
+</file>
+
+<file path=ppt/theme/theme2.xml><?xml version="1.0" encoding="utf-8"?>
 <a:theme xmlns:a="http://schemas.openxmlformats.org/drawingml/2006/main" xmlns:r="http://schemas.openxmlformats.org/officeDocument/2006/relationships" name="Simple Light">
   <a:themeElements>
     <a:clrScheme name="Simple Light">
@@ -14774,283 +14330,4 @@
     </a:fmtScheme>
   </a:themeElements>
 </a:theme>
-</file>
-
-<file path=ppt/theme/theme2.xml><?xml version="1.0" encoding="utf-8"?>
-<a:theme xmlns:a="http://schemas.openxmlformats.org/drawingml/2006/main" xmlns:r="http://schemas.openxmlformats.org/officeDocument/2006/relationships">
-  <a:themeElements>
-    <a:clrScheme name="Default">
-      <a:dk1>
-        <a:srgbClr val="000000"/>
-      </a:dk1>
-      <a:lt1>
-        <a:srgbClr val="FFFFFF"/>
-      </a:lt1>
-      <a:dk2>
-        <a:srgbClr val="158158"/>
-      </a:dk2>
-      <a:lt2>
-        <a:srgbClr val="F3F3F3"/>
-      </a:lt2>
-      <a:accent1>
-        <a:srgbClr val="058DC7"/>
-      </a:accent1>
-      <a:accent2>
-        <a:srgbClr val="50B432"/>
-      </a:accent2>
-      <a:accent3>
-        <a:srgbClr val="ED561B"/>
-      </a:accent3>
-      <a:accent4>
-        <a:srgbClr val="EDEF00"/>
-      </a:accent4>
-      <a:accent5>
-        <a:srgbClr val="24CBE5"/>
-      </a:accent5>
-      <a:accent6>
-        <a:srgbClr val="64E572"/>
-      </a:accent6>
-      <a:hlink>
-        <a:srgbClr val="2200CC"/>
-      </a:hlink>
-      <a:folHlink>
-        <a:srgbClr val="551A8B"/>
-      </a:folHlink>
-    </a:clrScheme>
-    <a:fontScheme name="Office">
-      <a:majorFont>
-        <a:latin typeface="Arial"/>
-        <a:ea typeface=""/>
-        <a:cs typeface=""/>
-        <a:font script="Jpan" typeface="ＭＳ Ｐゴシック"/>
-        <a:font script="Hang" typeface="맑은 고딕"/>
-        <a:font script="Hans" typeface="宋体"/>
-        <a:font script="Hant" typeface="新細明體"/>
-        <a:font script="Arab" typeface="Times New Roman"/>
-        <a:font script="Hebr" typeface="Times New Roman"/>
-        <a:font script="Thai" typeface="Angsana New"/>
-        <a:font script="Ethi" typeface="Nyala"/>
-        <a:font script="Beng" typeface="Vrinda"/>
-        <a:font script="Gujr" typeface="Shruti"/>
-        <a:font script="Khmr" typeface="MoolBoran"/>
-        <a:font script="Knda" typeface="Tunga"/>
-        <a:font script="Guru" typeface="Raavi"/>
-        <a:font script="Cans" typeface="Euphemia"/>
-        <a:font script="Cher" typeface="Plantagenet Cherokee"/>
-        <a:font script="Yiii" typeface="Microsoft Yi Baiti"/>
-        <a:font script="Tibt" typeface="Microsoft Himalaya"/>
-        <a:font script="Thaa" typeface="MV Boli"/>
-        <a:font script="Deva" typeface="Mangal"/>
-        <a:font script="Telu" typeface="Gautami"/>
-        <a:font script="Taml" typeface="Latha"/>
-        <a:font script="Syrc" typeface="Estrangelo Edessa"/>
-        <a:font script="Orya" typeface="Kalinga"/>
-        <a:font script="Mlym" typeface="Kartika"/>
-        <a:font script="Laoo" typeface="DokChampa"/>
-        <a:font script="Sinh" typeface="Iskoola Pota"/>
-        <a:font script="Mong" typeface="Mongolian Baiti"/>
-        <a:font script="Viet" typeface="Times New Roman"/>
-        <a:font script="Uigh" typeface="Microsoft Uighur"/>
-        <a:font script="Geor" typeface="Sylfaen"/>
-      </a:majorFont>
-      <a:minorFont>
-        <a:latin typeface="Arial"/>
-        <a:ea typeface=""/>
-        <a:cs typeface=""/>
-        <a:font script="Jpan" typeface="ＭＳ Ｐゴシック"/>
-        <a:font script="Hang" typeface="맑은 고딕"/>
-        <a:font script="Hans" typeface="宋体"/>
-        <a:font script="Hant" typeface="新細明體"/>
-        <a:font script="Arab" typeface="Arial"/>
-        <a:font script="Hebr" typeface="Arial"/>
-        <a:font script="Thai" typeface="Cordia New"/>
-        <a:font script="Ethi" typeface="Nyala"/>
-        <a:font script="Beng" typeface="Vrinda"/>
-        <a:font script="Gujr" typeface="Shruti"/>
-        <a:font script="Khmr" typeface="DaunPenh"/>
-        <a:font script="Knda" typeface="Tunga"/>
-        <a:font script="Guru" typeface="Raavi"/>
-        <a:font script="Cans" typeface="Euphemia"/>
-        <a:font script="Cher" typeface="Plantagenet Cherokee"/>
-        <a:font script="Yiii" typeface="Microsoft Yi Baiti"/>
-        <a:font script="Tibt" typeface="Microsoft Himalaya"/>
-        <a:font script="Thaa" typeface="MV Boli"/>
-        <a:font script="Deva" typeface="Mangal"/>
-        <a:font script="Telu" typeface="Gautami"/>
-        <a:font script="Taml" typeface="Latha"/>
-        <a:font script="Syrc" typeface="Estrangelo Edessa"/>
-        <a:font script="Orya" typeface="Kalinga"/>
-        <a:font script="Mlym" typeface="Kartika"/>
-        <a:font script="Laoo" typeface="DokChampa"/>
-        <a:font script="Sinh" typeface="Iskoola Pota"/>
-        <a:font script="Mong" typeface="Mongolian Baiti"/>
-        <a:font script="Viet" typeface="Arial"/>
-        <a:font script="Uigh" typeface="Microsoft Uighur"/>
-        <a:font script="Geor" typeface="Sylfaen"/>
-      </a:minorFont>
-    </a:fontScheme>
-    <a:fmtScheme name="Office">
-      <a:fillStyleLst>
-        <a:solidFill>
-          <a:schemeClr val="phClr"/>
-        </a:solidFill>
-        <a:gradFill rotWithShape="1">
-          <a:gsLst>
-            <a:gs pos="0">
-              <a:schemeClr val="phClr">
-                <a:tint val="50000"/>
-                <a:satMod val="300000"/>
-              </a:schemeClr>
-            </a:gs>
-            <a:gs pos="35000">
-              <a:schemeClr val="phClr">
-                <a:tint val="37000"/>
-                <a:satMod val="300000"/>
-              </a:schemeClr>
-            </a:gs>
-            <a:gs pos="100000">
-              <a:schemeClr val="phClr">
-                <a:tint val="15000"/>
-                <a:satMod val="350000"/>
-              </a:schemeClr>
-            </a:gs>
-          </a:gsLst>
-          <a:lin ang="16200000" scaled="1"/>
-        </a:gradFill>
-        <a:gradFill rotWithShape="1">
-          <a:gsLst>
-            <a:gs pos="0">
-              <a:schemeClr val="phClr">
-                <a:tint val="100000"/>
-                <a:shade val="100000"/>
-                <a:satMod val="130000"/>
-              </a:schemeClr>
-            </a:gs>
-            <a:gs pos="100000">
-              <a:schemeClr val="phClr">
-                <a:tint val="50000"/>
-                <a:shade val="100000"/>
-                <a:satMod val="350000"/>
-              </a:schemeClr>
-            </a:gs>
-          </a:gsLst>
-          <a:lin ang="16200000" scaled="0"/>
-        </a:gradFill>
-      </a:fillStyleLst>
-      <a:lnStyleLst>
-        <a:ln w="9525" cap="flat" cmpd="sng" algn="ctr">
-          <a:solidFill>
-            <a:schemeClr val="phClr">
-              <a:shade val="95000"/>
-              <a:satMod val="105000"/>
-            </a:schemeClr>
-          </a:solidFill>
-          <a:prstDash val="solid"/>
-        </a:ln>
-        <a:ln w="25400" cap="flat" cmpd="sng" algn="ctr">
-          <a:solidFill>
-            <a:schemeClr val="phClr"/>
-          </a:solidFill>
-          <a:prstDash val="solid"/>
-        </a:ln>
-        <a:ln w="38100" cap="flat" cmpd="sng" algn="ctr">
-          <a:solidFill>
-            <a:schemeClr val="phClr"/>
-          </a:solidFill>
-          <a:prstDash val="solid"/>
-        </a:ln>
-      </a:lnStyleLst>
-      <a:effectStyleLst>
-        <a:effectStyle>
-          <a:effectLst>
-            <a:outerShdw blurRad="40000" dist="20000" dir="5400000" rotWithShape="0">
-              <a:srgbClr val="000000">
-                <a:alpha val="38000"/>
-              </a:srgbClr>
-            </a:outerShdw>
-          </a:effectLst>
-        </a:effectStyle>
-        <a:effectStyle>
-          <a:effectLst>
-            <a:outerShdw blurRad="40000" dist="23000" dir="5400000" rotWithShape="0">
-              <a:srgbClr val="000000">
-                <a:alpha val="35000"/>
-              </a:srgbClr>
-            </a:outerShdw>
-          </a:effectLst>
-        </a:effectStyle>
-        <a:effectStyle>
-          <a:effectLst>
-            <a:outerShdw blurRad="40000" dist="23000" dir="5400000" rotWithShape="0">
-              <a:srgbClr val="000000">
-                <a:alpha val="35000"/>
-              </a:srgbClr>
-            </a:outerShdw>
-          </a:effectLst>
-          <a:scene3d>
-            <a:camera prst="orthographicFront">
-              <a:rot lat="0" lon="0" rev="0"/>
-            </a:camera>
-            <a:lightRig rig="threePt" dir="t">
-              <a:rot lat="0" lon="0" rev="1200000"/>
-            </a:lightRig>
-          </a:scene3d>
-          <a:sp3d>
-            <a:bevelT w="63500" h="25400"/>
-          </a:sp3d>
-        </a:effectStyle>
-      </a:effectStyleLst>
-      <a:bgFillStyleLst>
-        <a:solidFill>
-          <a:schemeClr val="phClr"/>
-        </a:solidFill>
-        <a:gradFill rotWithShape="1">
-          <a:gsLst>
-            <a:gs pos="0">
-              <a:schemeClr val="phClr">
-                <a:tint val="40000"/>
-                <a:satMod val="350000"/>
-              </a:schemeClr>
-            </a:gs>
-            <a:gs pos="40000">
-              <a:schemeClr val="phClr">
-                <a:tint val="45000"/>
-                <a:shade val="99000"/>
-                <a:satMod val="350000"/>
-              </a:schemeClr>
-            </a:gs>
-            <a:gs pos="100000">
-              <a:schemeClr val="phClr">
-                <a:shade val="20000"/>
-                <a:satMod val="255000"/>
-              </a:schemeClr>
-            </a:gs>
-          </a:gsLst>
-          <a:path path="circle">
-            <a:fillToRect l="50000" t="-80000" r="50000" b="180000"/>
-          </a:path>
-        </a:gradFill>
-        <a:gradFill rotWithShape="1">
-          <a:gsLst>
-            <a:gs pos="0">
-              <a:schemeClr val="phClr">
-                <a:tint val="80000"/>
-                <a:satMod val="300000"/>
-              </a:schemeClr>
-            </a:gs>
-            <a:gs pos="100000">
-              <a:schemeClr val="phClr">
-                <a:shade val="30000"/>
-                <a:satMod val="200000"/>
-              </a:schemeClr>
-            </a:gs>
-          </a:gsLst>
-          <a:path path="circle">
-            <a:fillToRect l="50000" t="50000" r="50000" b="50000"/>
-          </a:path>
-        </a:gradFill>
-      </a:bgFillStyleLst>
-    </a:fmtScheme>
-  </a:themeElements>
-</a:theme>
 </file>